--- a/Project 4.1.pptx
+++ b/Project 4.1.pptx
@@ -12,12 +12,12 @@
     <p:sldId id="267" r:id="rId3"/>
     <p:sldId id="268" r:id="rId4"/>
     <p:sldId id="269" r:id="rId5"/>
-    <p:sldId id="270" r:id="rId6"/>
-    <p:sldId id="271" r:id="rId7"/>
-    <p:sldId id="272" r:id="rId8"/>
-    <p:sldId id="273" r:id="rId9"/>
-    <p:sldId id="274" r:id="rId10"/>
-    <p:sldId id="275" r:id="rId11"/>
+    <p:sldId id="282" r:id="rId6"/>
+    <p:sldId id="270" r:id="rId7"/>
+    <p:sldId id="271" r:id="rId8"/>
+    <p:sldId id="272" r:id="rId9"/>
+    <p:sldId id="273" r:id="rId10"/>
+    <p:sldId id="274" r:id="rId11"/>
     <p:sldId id="276" r:id="rId12"/>
     <p:sldId id="277" r:id="rId13"/>
     <p:sldId id="278" r:id="rId14"/>
@@ -851,7 +851,7 @@
         <p:cNvPr id="1" name="Shape 64">
           <a:extLst>
             <a:ext uri="{FF2B5EF4-FFF2-40B4-BE49-F238E27FC236}">
-              <a16:creationId xmlns:a16="http://schemas.microsoft.com/office/drawing/2014/main" id="{126D10ED-A874-3CC0-14DF-647C7CE8E292}"/>
+              <a16:creationId xmlns:a16="http://schemas.microsoft.com/office/drawing/2014/main" id="{AF10CEC0-4DE3-110D-E8E8-92949C1FD66B}"/>
             </a:ext>
           </a:extLst>
         </p:cNvPr>
@@ -871,7 +871,7 @@
           <p:cNvPr id="65" name="Google Shape;65;g30a5dabf7ec_0_53:notes">
             <a:extLst>
               <a:ext uri="{FF2B5EF4-FFF2-40B4-BE49-F238E27FC236}">
-                <a16:creationId xmlns:a16="http://schemas.microsoft.com/office/drawing/2014/main" id="{E43712B3-4EBD-6B34-35F0-742907EC2908}"/>
+                <a16:creationId xmlns:a16="http://schemas.microsoft.com/office/drawing/2014/main" id="{9C3DC805-836C-CA4B-3CEB-10AB4C86CB0E}"/>
               </a:ext>
             </a:extLst>
           </p:cNvPr>
@@ -918,7 +918,7 @@
           <p:cNvPr id="66" name="Google Shape;66;g30a5dabf7ec_0_53:notes">
             <a:extLst>
               <a:ext uri="{FF2B5EF4-FFF2-40B4-BE49-F238E27FC236}">
-                <a16:creationId xmlns:a16="http://schemas.microsoft.com/office/drawing/2014/main" id="{D0C97D1C-0882-88B8-109A-251BBEC74DA3}"/>
+                <a16:creationId xmlns:a16="http://schemas.microsoft.com/office/drawing/2014/main" id="{1DA4AF1D-A5EF-2D36-211A-027C1F10161B}"/>
               </a:ext>
             </a:extLst>
           </p:cNvPr>
@@ -960,7 +960,7 @@
     </p:spTree>
     <p:extLst>
       <p:ext uri="{BB962C8B-B14F-4D97-AF65-F5344CB8AC3E}">
-        <p14:creationId xmlns:p14="http://schemas.microsoft.com/office/powerpoint/2010/main" val="1160739621"/>
+        <p14:creationId xmlns:p14="http://schemas.microsoft.com/office/powerpoint/2010/main" val="276748491"/>
       </p:ext>
     </p:extLst>
   </p:cSld>
@@ -2121,6 +2121,133 @@
         <p:cNvPr id="1" name="Shape 64">
           <a:extLst>
             <a:ext uri="{FF2B5EF4-FFF2-40B4-BE49-F238E27FC236}">
+              <a16:creationId xmlns:a16="http://schemas.microsoft.com/office/drawing/2014/main" id="{05436FDD-5D49-3B85-8489-4D6CFADC6FE1}"/>
+            </a:ext>
+          </a:extLst>
+        </p:cNvPr>
+        <p:cNvGrpSpPr/>
+        <p:nvPr/>
+      </p:nvGrpSpPr>
+      <p:grpSpPr>
+        <a:xfrm>
+          <a:off x="0" y="0"/>
+          <a:ext cx="0" cy="0"/>
+          <a:chOff x="0" y="0"/>
+          <a:chExt cx="0" cy="0"/>
+        </a:xfrm>
+      </p:grpSpPr>
+      <p:sp>
+        <p:nvSpPr>
+          <p:cNvPr id="65" name="Google Shape;65;g30a5dabf7ec_0_53:notes">
+            <a:extLst>
+              <a:ext uri="{FF2B5EF4-FFF2-40B4-BE49-F238E27FC236}">
+                <a16:creationId xmlns:a16="http://schemas.microsoft.com/office/drawing/2014/main" id="{29558C6B-1A7A-2542-5C13-769E47F6832A}"/>
+              </a:ext>
+            </a:extLst>
+          </p:cNvPr>
+          <p:cNvSpPr>
+            <a:spLocks noGrp="1" noRot="1" noChangeAspect="1"/>
+          </p:cNvSpPr>
+          <p:nvPr>
+            <p:ph type="sldImg" idx="2"/>
+          </p:nvPr>
+        </p:nvSpPr>
+        <p:spPr>
+          <a:xfrm>
+            <a:off x="381000" y="685800"/>
+            <a:ext cx="6096000" cy="3429000"/>
+          </a:xfrm>
+          <a:custGeom>
+            <a:avLst/>
+            <a:gdLst/>
+            <a:ahLst/>
+            <a:cxnLst/>
+            <a:rect l="l" t="t" r="r" b="b"/>
+            <a:pathLst>
+              <a:path w="120000" h="120000" extrusionOk="0">
+                <a:moveTo>
+                  <a:pt x="0" y="0"/>
+                </a:moveTo>
+                <a:lnTo>
+                  <a:pt x="120000" y="0"/>
+                </a:lnTo>
+                <a:lnTo>
+                  <a:pt x="120000" y="120000"/>
+                </a:lnTo>
+                <a:lnTo>
+                  <a:pt x="0" y="120000"/>
+                </a:lnTo>
+                <a:close/>
+              </a:path>
+            </a:pathLst>
+          </a:custGeom>
+        </p:spPr>
+      </p:sp>
+      <p:sp>
+        <p:nvSpPr>
+          <p:cNvPr id="66" name="Google Shape;66;g30a5dabf7ec_0_53:notes">
+            <a:extLst>
+              <a:ext uri="{FF2B5EF4-FFF2-40B4-BE49-F238E27FC236}">
+                <a16:creationId xmlns:a16="http://schemas.microsoft.com/office/drawing/2014/main" id="{FA84728A-A2C7-8B1E-C7ED-907A1E4AD379}"/>
+              </a:ext>
+            </a:extLst>
+          </p:cNvPr>
+          <p:cNvSpPr txBox="1">
+            <a:spLocks noGrp="1"/>
+          </p:cNvSpPr>
+          <p:nvPr>
+            <p:ph type="body" idx="1"/>
+          </p:nvPr>
+        </p:nvSpPr>
+        <p:spPr>
+          <a:xfrm>
+            <a:off x="685800" y="4343400"/>
+            <a:ext cx="5486400" cy="4114800"/>
+          </a:xfrm>
+          <a:prstGeom prst="rect">
+            <a:avLst/>
+          </a:prstGeom>
+        </p:spPr>
+        <p:txBody>
+          <a:bodyPr spcFirstLastPara="1" wrap="square" lIns="91425" tIns="91425" rIns="91425" bIns="91425" anchor="t" anchorCtr="0">
+            <a:noAutofit/>
+          </a:bodyPr>
+          <a:lstStyle/>
+          <a:p>
+            <a:pPr marL="0" lvl="0" indent="0" algn="l" rtl="0">
+              <a:spcBef>
+                <a:spcPts val="0"/>
+              </a:spcBef>
+              <a:spcAft>
+                <a:spcPts val="0"/>
+              </a:spcAft>
+              <a:buNone/>
+            </a:pPr>
+            <a:endParaRPr/>
+          </a:p>
+        </p:txBody>
+      </p:sp>
+    </p:spTree>
+    <p:extLst>
+      <p:ext uri="{BB962C8B-B14F-4D97-AF65-F5344CB8AC3E}">
+        <p14:creationId xmlns:p14="http://schemas.microsoft.com/office/powerpoint/2010/main" val="2667033995"/>
+      </p:ext>
+    </p:extLst>
+  </p:cSld>
+  <p:clrMapOvr>
+    <a:masterClrMapping/>
+  </p:clrMapOvr>
+</p:notes>
+</file>
+
+<file path=ppt/notesSlides/notesSlide6.xml><?xml version="1.0" encoding="utf-8"?>
+<p:notes xmlns:a="http://schemas.openxmlformats.org/drawingml/2006/main" xmlns:r="http://schemas.openxmlformats.org/officeDocument/2006/relationships" xmlns:p="http://schemas.openxmlformats.org/presentationml/2006/main" showMasterSp="0" showMasterPhAnim="0">
+  <p:cSld>
+    <p:spTree>
+      <p:nvGrpSpPr>
+        <p:cNvPr id="1" name="Shape 64">
+          <a:extLst>
+            <a:ext uri="{FF2B5EF4-FFF2-40B4-BE49-F238E27FC236}">
               <a16:creationId xmlns:a16="http://schemas.microsoft.com/office/drawing/2014/main" id="{916AABF0-C9D7-ED42-92ED-2B1A51BFAD94}"/>
             </a:ext>
           </a:extLst>
@@ -2240,7 +2367,7 @@
 </p:notes>
 </file>
 
-<file path=ppt/notesSlides/notesSlide6.xml><?xml version="1.0" encoding="utf-8"?>
+<file path=ppt/notesSlides/notesSlide7.xml><?xml version="1.0" encoding="utf-8"?>
 <p:notes xmlns:a="http://schemas.openxmlformats.org/drawingml/2006/main" xmlns:r="http://schemas.openxmlformats.org/officeDocument/2006/relationships" xmlns:p="http://schemas.openxmlformats.org/presentationml/2006/main" showMasterSp="0" showMasterPhAnim="0">
   <p:cSld>
     <p:spTree>
@@ -2367,7 +2494,7 @@
 </p:notes>
 </file>
 
-<file path=ppt/notesSlides/notesSlide7.xml><?xml version="1.0" encoding="utf-8"?>
+<file path=ppt/notesSlides/notesSlide8.xml><?xml version="1.0" encoding="utf-8"?>
 <p:notes xmlns:a="http://schemas.openxmlformats.org/drawingml/2006/main" xmlns:r="http://schemas.openxmlformats.org/officeDocument/2006/relationships" xmlns:p="http://schemas.openxmlformats.org/presentationml/2006/main" showMasterSp="0" showMasterPhAnim="0">
   <p:cSld>
     <p:spTree>
@@ -2494,7 +2621,7 @@
 </p:notes>
 </file>
 
-<file path=ppt/notesSlides/notesSlide8.xml><?xml version="1.0" encoding="utf-8"?>
+<file path=ppt/notesSlides/notesSlide9.xml><?xml version="1.0" encoding="utf-8"?>
 <p:notes xmlns:a="http://schemas.openxmlformats.org/drawingml/2006/main" xmlns:r="http://schemas.openxmlformats.org/officeDocument/2006/relationships" xmlns:p="http://schemas.openxmlformats.org/presentationml/2006/main" showMasterSp="0" showMasterPhAnim="0">
   <p:cSld>
     <p:spTree>
@@ -2612,133 +2739,6 @@
     <p:extLst>
       <p:ext uri="{BB962C8B-B14F-4D97-AF65-F5344CB8AC3E}">
         <p14:creationId xmlns:p14="http://schemas.microsoft.com/office/powerpoint/2010/main" val="523024222"/>
-      </p:ext>
-    </p:extLst>
-  </p:cSld>
-  <p:clrMapOvr>
-    <a:masterClrMapping/>
-  </p:clrMapOvr>
-</p:notes>
-</file>
-
-<file path=ppt/notesSlides/notesSlide9.xml><?xml version="1.0" encoding="utf-8"?>
-<p:notes xmlns:a="http://schemas.openxmlformats.org/drawingml/2006/main" xmlns:r="http://schemas.openxmlformats.org/officeDocument/2006/relationships" xmlns:p="http://schemas.openxmlformats.org/presentationml/2006/main" showMasterSp="0" showMasterPhAnim="0">
-  <p:cSld>
-    <p:spTree>
-      <p:nvGrpSpPr>
-        <p:cNvPr id="1" name="Shape 64">
-          <a:extLst>
-            <a:ext uri="{FF2B5EF4-FFF2-40B4-BE49-F238E27FC236}">
-              <a16:creationId xmlns:a16="http://schemas.microsoft.com/office/drawing/2014/main" id="{AF10CEC0-4DE3-110D-E8E8-92949C1FD66B}"/>
-            </a:ext>
-          </a:extLst>
-        </p:cNvPr>
-        <p:cNvGrpSpPr/>
-        <p:nvPr/>
-      </p:nvGrpSpPr>
-      <p:grpSpPr>
-        <a:xfrm>
-          <a:off x="0" y="0"/>
-          <a:ext cx="0" cy="0"/>
-          <a:chOff x="0" y="0"/>
-          <a:chExt cx="0" cy="0"/>
-        </a:xfrm>
-      </p:grpSpPr>
-      <p:sp>
-        <p:nvSpPr>
-          <p:cNvPr id="65" name="Google Shape;65;g30a5dabf7ec_0_53:notes">
-            <a:extLst>
-              <a:ext uri="{FF2B5EF4-FFF2-40B4-BE49-F238E27FC236}">
-                <a16:creationId xmlns:a16="http://schemas.microsoft.com/office/drawing/2014/main" id="{9C3DC805-836C-CA4B-3CEB-10AB4C86CB0E}"/>
-              </a:ext>
-            </a:extLst>
-          </p:cNvPr>
-          <p:cNvSpPr>
-            <a:spLocks noGrp="1" noRot="1" noChangeAspect="1"/>
-          </p:cNvSpPr>
-          <p:nvPr>
-            <p:ph type="sldImg" idx="2"/>
-          </p:nvPr>
-        </p:nvSpPr>
-        <p:spPr>
-          <a:xfrm>
-            <a:off x="381000" y="685800"/>
-            <a:ext cx="6096000" cy="3429000"/>
-          </a:xfrm>
-          <a:custGeom>
-            <a:avLst/>
-            <a:gdLst/>
-            <a:ahLst/>
-            <a:cxnLst/>
-            <a:rect l="l" t="t" r="r" b="b"/>
-            <a:pathLst>
-              <a:path w="120000" h="120000" extrusionOk="0">
-                <a:moveTo>
-                  <a:pt x="0" y="0"/>
-                </a:moveTo>
-                <a:lnTo>
-                  <a:pt x="120000" y="0"/>
-                </a:lnTo>
-                <a:lnTo>
-                  <a:pt x="120000" y="120000"/>
-                </a:lnTo>
-                <a:lnTo>
-                  <a:pt x="0" y="120000"/>
-                </a:lnTo>
-                <a:close/>
-              </a:path>
-            </a:pathLst>
-          </a:custGeom>
-        </p:spPr>
-      </p:sp>
-      <p:sp>
-        <p:nvSpPr>
-          <p:cNvPr id="66" name="Google Shape;66;g30a5dabf7ec_0_53:notes">
-            <a:extLst>
-              <a:ext uri="{FF2B5EF4-FFF2-40B4-BE49-F238E27FC236}">
-                <a16:creationId xmlns:a16="http://schemas.microsoft.com/office/drawing/2014/main" id="{1DA4AF1D-A5EF-2D36-211A-027C1F10161B}"/>
-              </a:ext>
-            </a:extLst>
-          </p:cNvPr>
-          <p:cNvSpPr txBox="1">
-            <a:spLocks noGrp="1"/>
-          </p:cNvSpPr>
-          <p:nvPr>
-            <p:ph type="body" idx="1"/>
-          </p:nvPr>
-        </p:nvSpPr>
-        <p:spPr>
-          <a:xfrm>
-            <a:off x="685800" y="4343400"/>
-            <a:ext cx="5486400" cy="4114800"/>
-          </a:xfrm>
-          <a:prstGeom prst="rect">
-            <a:avLst/>
-          </a:prstGeom>
-        </p:spPr>
-        <p:txBody>
-          <a:bodyPr spcFirstLastPara="1" wrap="square" lIns="91425" tIns="91425" rIns="91425" bIns="91425" anchor="t" anchorCtr="0">
-            <a:noAutofit/>
-          </a:bodyPr>
-          <a:lstStyle/>
-          <a:p>
-            <a:pPr marL="0" lvl="0" indent="0" algn="l" rtl="0">
-              <a:spcBef>
-                <a:spcPts val="0"/>
-              </a:spcBef>
-              <a:spcAft>
-                <a:spcPts val="0"/>
-              </a:spcAft>
-              <a:buNone/>
-            </a:pPr>
-            <a:endParaRPr/>
-          </a:p>
-        </p:txBody>
-      </p:sp>
-    </p:spTree>
-    <p:extLst>
-      <p:ext uri="{BB962C8B-B14F-4D97-AF65-F5344CB8AC3E}">
-        <p14:creationId xmlns:p14="http://schemas.microsoft.com/office/powerpoint/2010/main" val="276748491"/>
       </p:ext>
     </p:extLst>
   </p:cSld>
@@ -8439,7 +8439,7 @@
         <p:cNvPr id="1" name="Shape 67">
           <a:extLst>
             <a:ext uri="{FF2B5EF4-FFF2-40B4-BE49-F238E27FC236}">
-              <a16:creationId xmlns:a16="http://schemas.microsoft.com/office/drawing/2014/main" id="{D1F05EAA-D183-EC6C-2807-C977E146066D}"/>
+              <a16:creationId xmlns:a16="http://schemas.microsoft.com/office/drawing/2014/main" id="{9A1D68C0-3BEF-18E1-A1FD-4FB606463671}"/>
             </a:ext>
           </a:extLst>
         </p:cNvPr>
@@ -8459,7 +8459,7 @@
           <p:cNvPr id="68" name="Google Shape;68;p14">
             <a:extLst>
               <a:ext uri="{FF2B5EF4-FFF2-40B4-BE49-F238E27FC236}">
-                <a16:creationId xmlns:a16="http://schemas.microsoft.com/office/drawing/2014/main" id="{1D07823F-3A0D-97F1-091A-B45F0ED719DE}"/>
+                <a16:creationId xmlns:a16="http://schemas.microsoft.com/office/drawing/2014/main" id="{D34E2027-D27C-1987-2B9E-FED68BD4CA1F}"/>
               </a:ext>
             </a:extLst>
           </p:cNvPr>
@@ -8507,7 +8507,7 @@
           <p:cNvPr id="69" name="Google Shape;69;p14">
             <a:extLst>
               <a:ext uri="{FF2B5EF4-FFF2-40B4-BE49-F238E27FC236}">
-                <a16:creationId xmlns:a16="http://schemas.microsoft.com/office/drawing/2014/main" id="{EF94C060-3902-CB78-BD73-3103A485D2F2}"/>
+                <a16:creationId xmlns:a16="http://schemas.microsoft.com/office/drawing/2014/main" id="{6EFFC77C-D3DD-7263-5E51-78E102EA2181}"/>
               </a:ext>
             </a:extLst>
           </p:cNvPr>
@@ -8521,7 +8521,7 @@
         <p:spPr>
           <a:xfrm>
             <a:off x="623400" y="1440150"/>
-            <a:ext cx="8208900" cy="3354000"/>
+            <a:ext cx="8208900" cy="3387425"/>
           </a:xfrm>
           <a:prstGeom prst="rect">
             <a:avLst/>
@@ -8529,9 +8529,39 @@
         </p:spPr>
         <p:txBody>
           <a:bodyPr spcFirstLastPara="1" wrap="square" lIns="91425" tIns="91425" rIns="91425" bIns="91425" anchor="t" anchorCtr="0">
-            <a:normAutofit fontScale="92500" lnSpcReduction="10000"/>
+            <a:normAutofit fontScale="85000" lnSpcReduction="20000"/>
           </a:bodyPr>
           <a:lstStyle/>
+          <a:p>
+            <a:pPr marL="114300" lvl="0" indent="0" algn="l" rtl="0">
+              <a:lnSpc>
+                <a:spcPct val="200000"/>
+              </a:lnSpc>
+              <a:spcBef>
+                <a:spcPts val="0"/>
+              </a:spcBef>
+              <a:spcAft>
+                <a:spcPts val="0"/>
+              </a:spcAft>
+              <a:buSzPts val="1800"/>
+              <a:buNone/>
+            </a:pPr>
+            <a:r>
+              <a:rPr lang="en-US" b="1" dirty="0"/>
+              <a:t>Model Used:</a:t>
+            </a:r>
+          </a:p>
+          <a:p>
+            <a:pPr>
+              <a:lnSpc>
+                <a:spcPct val="200000"/>
+              </a:lnSpc>
+            </a:pPr>
+            <a:r>
+              <a:rPr lang="en-US" dirty="0"/>
+              <a:t>Random Forest Classifier (fine-tuned for better performance).</a:t>
+            </a:r>
+          </a:p>
           <a:p>
             <a:pPr marL="139700" indent="0">
               <a:lnSpc>
@@ -8616,22 +8646,19 @@
             </a:r>
           </a:p>
           <a:p>
-            <a:pPr marL="139700" indent="0">
+            <a:pPr>
               <a:lnSpc>
                 <a:spcPct val="200000"/>
               </a:lnSpc>
-              <a:buNone/>
-            </a:pPr>
-            <a:r>
-              <a:rPr lang="en-US" b="1" dirty="0"/>
-              <a:t>	</a:t>
-            </a:r>
-          </a:p>
-          <a:p>
-            <a:pPr marL="882650" lvl="1" indent="-285750">
+            </a:pPr>
+            <a:endParaRPr lang="en-US" dirty="0"/>
+          </a:p>
+          <a:p>
+            <a:pPr marL="596900" lvl="1" indent="0">
               <a:lnSpc>
                 <a:spcPct val="200000"/>
               </a:lnSpc>
+              <a:buNone/>
             </a:pPr>
             <a:endParaRPr lang="en-US" b="1" dirty="0"/>
           </a:p>
@@ -8685,7 +8712,7 @@
     </p:spTree>
     <p:extLst>
       <p:ext uri="{BB962C8B-B14F-4D97-AF65-F5344CB8AC3E}">
-        <p14:creationId xmlns:p14="http://schemas.microsoft.com/office/powerpoint/2010/main" val="3467542557"/>
+        <p14:creationId xmlns:p14="http://schemas.microsoft.com/office/powerpoint/2010/main" val="2858259593"/>
       </p:ext>
     </p:extLst>
   </p:cSld>
@@ -10777,6 +10804,126 @@
         <p:cNvPr id="1" name="Shape 67">
           <a:extLst>
             <a:ext uri="{FF2B5EF4-FFF2-40B4-BE49-F238E27FC236}">
+              <a16:creationId xmlns:a16="http://schemas.microsoft.com/office/drawing/2014/main" id="{918DA37F-4C73-2B2F-E80A-4848C0DBA3DF}"/>
+            </a:ext>
+          </a:extLst>
+        </p:cNvPr>
+        <p:cNvGrpSpPr/>
+        <p:nvPr/>
+      </p:nvGrpSpPr>
+      <p:grpSpPr>
+        <a:xfrm>
+          <a:off x="0" y="0"/>
+          <a:ext cx="0" cy="0"/>
+          <a:chOff x="0" y="0"/>
+          <a:chExt cx="0" cy="0"/>
+        </a:xfrm>
+      </p:grpSpPr>
+      <p:sp>
+        <p:nvSpPr>
+          <p:cNvPr id="69" name="Google Shape;69;p14">
+            <a:extLst>
+              <a:ext uri="{FF2B5EF4-FFF2-40B4-BE49-F238E27FC236}">
+                <a16:creationId xmlns:a16="http://schemas.microsoft.com/office/drawing/2014/main" id="{2B4C5E1E-AE5A-66F1-B11C-5D88B69F7F43}"/>
+              </a:ext>
+            </a:extLst>
+          </p:cNvPr>
+          <p:cNvSpPr txBox="1">
+            <a:spLocks noGrp="1"/>
+          </p:cNvSpPr>
+          <p:nvPr>
+            <p:ph type="body" idx="1"/>
+          </p:nvPr>
+        </p:nvSpPr>
+        <p:spPr>
+          <a:xfrm>
+            <a:off x="623400" y="1440150"/>
+            <a:ext cx="8208900" cy="3354000"/>
+          </a:xfrm>
+          <a:prstGeom prst="rect">
+            <a:avLst/>
+          </a:prstGeom>
+        </p:spPr>
+        <p:txBody>
+          <a:bodyPr spcFirstLastPara="1" wrap="square" lIns="91425" tIns="91425" rIns="91425" bIns="91425" anchor="t" anchorCtr="0">
+            <a:normAutofit/>
+          </a:bodyPr>
+          <a:lstStyle/>
+          <a:p>
+            <a:pPr marL="114300" indent="0">
+              <a:lnSpc>
+                <a:spcPct val="200000"/>
+              </a:lnSpc>
+              <a:buNone/>
+            </a:pPr>
+            <a:endParaRPr lang="en-US" dirty="0"/>
+          </a:p>
+        </p:txBody>
+      </p:sp>
+      <p:pic>
+        <p:nvPicPr>
+          <p:cNvPr id="3" name="Picture 2">
+            <a:extLst>
+              <a:ext uri="{FF2B5EF4-FFF2-40B4-BE49-F238E27FC236}">
+                <a16:creationId xmlns:a16="http://schemas.microsoft.com/office/drawing/2014/main" id="{70FF07FA-AD41-880E-430F-33F847154162}"/>
+              </a:ext>
+            </a:extLst>
+          </p:cNvPr>
+          <p:cNvPicPr>
+            <a:picLocks noChangeAspect="1"/>
+          </p:cNvPicPr>
+          <p:nvPr/>
+        </p:nvPicPr>
+        <p:blipFill>
+          <a:blip r:embed="rId4"/>
+          <a:stretch>
+            <a:fillRect/>
+          </a:stretch>
+        </p:blipFill>
+        <p:spPr>
+          <a:xfrm>
+            <a:off x="282230" y="282501"/>
+            <a:ext cx="8579539" cy="4511649"/>
+          </a:xfrm>
+          <a:prstGeom prst="rect">
+            <a:avLst/>
+          </a:prstGeom>
+        </p:spPr>
+      </p:pic>
+    </p:spTree>
+    <p:extLst>
+      <p:ext uri="{BB962C8B-B14F-4D97-AF65-F5344CB8AC3E}">
+        <p14:creationId xmlns:p14="http://schemas.microsoft.com/office/powerpoint/2010/main" val="1892891475"/>
+      </p:ext>
+    </p:extLst>
+  </p:cSld>
+  <p:clrMapOvr>
+    <a:masterClrMapping/>
+  </p:clrMapOvr>
+</p:sld>
+</file>
+
+<file path=ppt/slides/slide6.xml><?xml version="1.0" encoding="utf-8"?>
+<p:sld xmlns:a="http://schemas.openxmlformats.org/drawingml/2006/main" xmlns:r="http://schemas.openxmlformats.org/officeDocument/2006/relationships" xmlns:p="http://schemas.openxmlformats.org/presentationml/2006/main" showMasterSp="0">
+  <p:cSld>
+    <p:bg>
+      <p:bgPr>
+        <a:blipFill dpi="0" rotWithShape="1">
+          <a:blip r:embed="rId3">
+            <a:alphaModFix amt="52000"/>
+            <a:lum/>
+          </a:blip>
+          <a:srcRect/>
+          <a:tile tx="0" ty="0" sx="100000" sy="100000" flip="none" algn="tl"/>
+        </a:blipFill>
+        <a:effectLst/>
+      </p:bgPr>
+    </p:bg>
+    <p:spTree>
+      <p:nvGrpSpPr>
+        <p:cNvPr id="1" name="Shape 67">
+          <a:extLst>
+            <a:ext uri="{FF2B5EF4-FFF2-40B4-BE49-F238E27FC236}">
               <a16:creationId xmlns:a16="http://schemas.microsoft.com/office/drawing/2014/main" id="{5C4011D3-8F3B-ABEF-A1CE-BD20651FBC17}"/>
             </a:ext>
           </a:extLst>
@@ -10944,7 +11091,7 @@
 </p:sld>
 </file>
 
-<file path=ppt/slides/slide6.xml><?xml version="1.0" encoding="utf-8"?>
+<file path=ppt/slides/slide7.xml><?xml version="1.0" encoding="utf-8"?>
 <p:sld xmlns:a="http://schemas.openxmlformats.org/drawingml/2006/main" xmlns:r="http://schemas.openxmlformats.org/officeDocument/2006/relationships" xmlns:p="http://schemas.openxmlformats.org/presentationml/2006/main" showMasterSp="0">
   <p:cSld>
     <p:bg>
@@ -11171,7 +11318,7 @@
 </p:sld>
 </file>
 
-<file path=ppt/slides/slide7.xml><?xml version="1.0" encoding="utf-8"?>
+<file path=ppt/slides/slide8.xml><?xml version="1.0" encoding="utf-8"?>
 <p:sld xmlns:a="http://schemas.openxmlformats.org/drawingml/2006/main" xmlns:r="http://schemas.openxmlformats.org/officeDocument/2006/relationships" xmlns:p="http://schemas.openxmlformats.org/presentationml/2006/main" showMasterSp="0">
   <p:cSld>
     <p:bg>
@@ -11476,7 +11623,7 @@
 </p:sld>
 </file>
 
-<file path=ppt/slides/slide8.xml><?xml version="1.0" encoding="utf-8"?>
+<file path=ppt/slides/slide9.xml><?xml version="1.0" encoding="utf-8"?>
 <p:sld xmlns:a="http://schemas.openxmlformats.org/drawingml/2006/main" xmlns:r="http://schemas.openxmlformats.org/officeDocument/2006/relationships" xmlns:p="http://schemas.openxmlformats.org/presentationml/2006/main" showMasterSp="0">
   <p:cSld>
     <p:bg>
@@ -11692,219 +11839,6 @@
     <p:extLst>
       <p:ext uri="{BB962C8B-B14F-4D97-AF65-F5344CB8AC3E}">
         <p14:creationId xmlns:p14="http://schemas.microsoft.com/office/powerpoint/2010/main" val="1143585369"/>
-      </p:ext>
-    </p:extLst>
-  </p:cSld>
-  <p:clrMapOvr>
-    <a:masterClrMapping/>
-  </p:clrMapOvr>
-</p:sld>
-</file>
-
-<file path=ppt/slides/slide9.xml><?xml version="1.0" encoding="utf-8"?>
-<p:sld xmlns:a="http://schemas.openxmlformats.org/drawingml/2006/main" xmlns:r="http://schemas.openxmlformats.org/officeDocument/2006/relationships" xmlns:p="http://schemas.openxmlformats.org/presentationml/2006/main" showMasterSp="0">
-  <p:cSld>
-    <p:bg>
-      <p:bgPr>
-        <a:blipFill dpi="0" rotWithShape="1">
-          <a:blip r:embed="rId3">
-            <a:alphaModFix amt="52000"/>
-            <a:lum/>
-          </a:blip>
-          <a:srcRect/>
-          <a:tile tx="0" ty="0" sx="100000" sy="100000" flip="none" algn="tl"/>
-        </a:blipFill>
-        <a:effectLst/>
-      </p:bgPr>
-    </p:bg>
-    <p:spTree>
-      <p:nvGrpSpPr>
-        <p:cNvPr id="1" name="Shape 67">
-          <a:extLst>
-            <a:ext uri="{FF2B5EF4-FFF2-40B4-BE49-F238E27FC236}">
-              <a16:creationId xmlns:a16="http://schemas.microsoft.com/office/drawing/2014/main" id="{9A1D68C0-3BEF-18E1-A1FD-4FB606463671}"/>
-            </a:ext>
-          </a:extLst>
-        </p:cNvPr>
-        <p:cNvGrpSpPr/>
-        <p:nvPr/>
-      </p:nvGrpSpPr>
-      <p:grpSpPr>
-        <a:xfrm>
-          <a:off x="0" y="0"/>
-          <a:ext cx="0" cy="0"/>
-          <a:chOff x="0" y="0"/>
-          <a:chExt cx="0" cy="0"/>
-        </a:xfrm>
-      </p:grpSpPr>
-      <p:sp>
-        <p:nvSpPr>
-          <p:cNvPr id="68" name="Google Shape;68;p14">
-            <a:extLst>
-              <a:ext uri="{FF2B5EF4-FFF2-40B4-BE49-F238E27FC236}">
-                <a16:creationId xmlns:a16="http://schemas.microsoft.com/office/drawing/2014/main" id="{D34E2027-D27C-1987-2B9E-FED68BD4CA1F}"/>
-              </a:ext>
-            </a:extLst>
-          </p:cNvPr>
-          <p:cNvSpPr txBox="1">
-            <a:spLocks noGrp="1"/>
-          </p:cNvSpPr>
-          <p:nvPr>
-            <p:ph type="title"/>
-          </p:nvPr>
-        </p:nvSpPr>
-        <p:spPr>
-          <a:xfrm>
-            <a:off x="311700" y="315925"/>
-            <a:ext cx="8520600" cy="831300"/>
-          </a:xfrm>
-          <a:prstGeom prst="rect">
-            <a:avLst/>
-          </a:prstGeom>
-        </p:spPr>
-        <p:txBody>
-          <a:bodyPr spcFirstLastPara="1" wrap="square" lIns="91425" tIns="91425" rIns="91425" bIns="91425" anchor="b" anchorCtr="0">
-            <a:normAutofit/>
-          </a:bodyPr>
-          <a:lstStyle/>
-          <a:p>
-            <a:pPr marL="0" lvl="0" indent="0" algn="l" rtl="0">
-              <a:spcBef>
-                <a:spcPts val="0"/>
-              </a:spcBef>
-              <a:spcAft>
-                <a:spcPts val="0"/>
-              </a:spcAft>
-              <a:buNone/>
-            </a:pPr>
-            <a:r>
-              <a:rPr lang="en" b="1" dirty="0"/>
-              <a:t>Model Selection Process</a:t>
-            </a:r>
-            <a:endParaRPr b="1" dirty="0"/>
-          </a:p>
-        </p:txBody>
-      </p:sp>
-      <p:sp>
-        <p:nvSpPr>
-          <p:cNvPr id="69" name="Google Shape;69;p14">
-            <a:extLst>
-              <a:ext uri="{FF2B5EF4-FFF2-40B4-BE49-F238E27FC236}">
-                <a16:creationId xmlns:a16="http://schemas.microsoft.com/office/drawing/2014/main" id="{6EFFC77C-D3DD-7263-5E51-78E102EA2181}"/>
-              </a:ext>
-            </a:extLst>
-          </p:cNvPr>
-          <p:cNvSpPr txBox="1">
-            <a:spLocks noGrp="1"/>
-          </p:cNvSpPr>
-          <p:nvPr>
-            <p:ph type="body" idx="1"/>
-          </p:nvPr>
-        </p:nvSpPr>
-        <p:spPr>
-          <a:xfrm>
-            <a:off x="623400" y="1440150"/>
-            <a:ext cx="8208900" cy="3354000"/>
-          </a:xfrm>
-          <a:prstGeom prst="rect">
-            <a:avLst/>
-          </a:prstGeom>
-        </p:spPr>
-        <p:txBody>
-          <a:bodyPr spcFirstLastPara="1" wrap="square" lIns="91425" tIns="91425" rIns="91425" bIns="91425" anchor="t" anchorCtr="0">
-            <a:normAutofit/>
-          </a:bodyPr>
-          <a:lstStyle/>
-          <a:p>
-            <a:pPr marL="114300" lvl="0" indent="0" algn="l" rtl="0">
-              <a:lnSpc>
-                <a:spcPct val="200000"/>
-              </a:lnSpc>
-              <a:spcBef>
-                <a:spcPts val="0"/>
-              </a:spcBef>
-              <a:spcAft>
-                <a:spcPts val="0"/>
-              </a:spcAft>
-              <a:buSzPts val="1800"/>
-              <a:buNone/>
-            </a:pPr>
-            <a:r>
-              <a:rPr lang="en-US" b="1" dirty="0"/>
-              <a:t>Model Used:</a:t>
-            </a:r>
-          </a:p>
-          <a:p>
-            <a:pPr>
-              <a:lnSpc>
-                <a:spcPct val="200000"/>
-              </a:lnSpc>
-            </a:pPr>
-            <a:r>
-              <a:rPr lang="en-US" dirty="0"/>
-              <a:t>Random Forest Classifier (fine-tuned for better performance).</a:t>
-            </a:r>
-          </a:p>
-          <a:p>
-            <a:pPr marL="596900" lvl="1" indent="0">
-              <a:lnSpc>
-                <a:spcPct val="200000"/>
-              </a:lnSpc>
-              <a:buNone/>
-            </a:pPr>
-            <a:endParaRPr lang="en-US" b="1" dirty="0"/>
-          </a:p>
-          <a:p>
-            <a:pPr marL="596900" lvl="1" indent="0">
-              <a:lnSpc>
-                <a:spcPct val="200000"/>
-              </a:lnSpc>
-              <a:buNone/>
-            </a:pPr>
-            <a:endParaRPr lang="en-US" dirty="0"/>
-          </a:p>
-          <a:p>
-            <a:pPr marL="596900" lvl="1" indent="0">
-              <a:lnSpc>
-                <a:spcPct val="200000"/>
-              </a:lnSpc>
-              <a:buNone/>
-            </a:pPr>
-            <a:endParaRPr lang="en-US" dirty="0"/>
-          </a:p>
-          <a:p>
-            <a:pPr marL="114300" indent="0">
-              <a:lnSpc>
-                <a:spcPct val="200000"/>
-              </a:lnSpc>
-              <a:buNone/>
-            </a:pPr>
-            <a:endParaRPr lang="en-US" dirty="0"/>
-          </a:p>
-          <a:p>
-            <a:pPr marL="114300" indent="0">
-              <a:lnSpc>
-                <a:spcPct val="200000"/>
-              </a:lnSpc>
-              <a:buNone/>
-            </a:pPr>
-            <a:endParaRPr lang="en-US" dirty="0"/>
-          </a:p>
-          <a:p>
-            <a:pPr marL="114300" indent="0">
-              <a:lnSpc>
-                <a:spcPct val="200000"/>
-              </a:lnSpc>
-              <a:buNone/>
-            </a:pPr>
-            <a:endParaRPr lang="en-US" dirty="0"/>
-          </a:p>
-        </p:txBody>
-      </p:sp>
-    </p:spTree>
-    <p:extLst>
-      <p:ext uri="{BB962C8B-B14F-4D97-AF65-F5344CB8AC3E}">
-        <p14:creationId xmlns:p14="http://schemas.microsoft.com/office/powerpoint/2010/main" val="2858259593"/>
       </p:ext>
     </p:extLst>
   </p:cSld>

--- a/Project 4.1.pptx
+++ b/Project 4.1.pptx
@@ -10882,8 +10882,8 @@
         </p:blipFill>
         <p:spPr>
           <a:xfrm>
-            <a:off x="282230" y="282501"/>
-            <a:ext cx="8579539" cy="4511649"/>
+            <a:off x="282230" y="349350"/>
+            <a:ext cx="8579539" cy="4444800"/>
           </a:xfrm>
           <a:prstGeom prst="rect">
             <a:avLst/>

--- a/Project 4.1.pptx
+++ b/Project 4.1.pptx
@@ -5,49 +5,56 @@
     <p:sldMasterId id="2147483659" r:id="rId1"/>
   </p:sldMasterIdLst>
   <p:notesMasterIdLst>
-    <p:notesMasterId r:id="rId18"/>
+    <p:notesMasterId r:id="rId21"/>
   </p:notesMasterIdLst>
   <p:sldIdLst>
     <p:sldId id="256" r:id="rId2"/>
     <p:sldId id="267" r:id="rId3"/>
     <p:sldId id="268" r:id="rId4"/>
     <p:sldId id="269" r:id="rId5"/>
-    <p:sldId id="282" r:id="rId6"/>
+    <p:sldId id="283" r:id="rId6"/>
     <p:sldId id="270" r:id="rId7"/>
     <p:sldId id="271" r:id="rId8"/>
     <p:sldId id="272" r:id="rId9"/>
-    <p:sldId id="273" r:id="rId10"/>
-    <p:sldId id="274" r:id="rId11"/>
-    <p:sldId id="276" r:id="rId12"/>
-    <p:sldId id="277" r:id="rId13"/>
-    <p:sldId id="278" r:id="rId14"/>
-    <p:sldId id="279" r:id="rId15"/>
-    <p:sldId id="280" r:id="rId16"/>
-    <p:sldId id="281" r:id="rId17"/>
+    <p:sldId id="282" r:id="rId10"/>
+    <p:sldId id="273" r:id="rId11"/>
+    <p:sldId id="274" r:id="rId12"/>
+    <p:sldId id="284" r:id="rId13"/>
+    <p:sldId id="276" r:id="rId14"/>
+    <p:sldId id="277" r:id="rId15"/>
+    <p:sldId id="278" r:id="rId16"/>
+    <p:sldId id="279" r:id="rId17"/>
+    <p:sldId id="280" r:id="rId18"/>
+    <p:sldId id="281" r:id="rId19"/>
+    <p:sldId id="285" r:id="rId20"/>
   </p:sldIdLst>
   <p:sldSz cx="9144000" cy="5143500" type="screen16x9"/>
   <p:notesSz cx="6858000" cy="9144000"/>
   <p:embeddedFontLst>
     <p:embeddedFont>
       <p:font typeface="Economica" panose="020B0604020202020204" charset="0"/>
-      <p:regular r:id="rId19"/>
-      <p:bold r:id="rId20"/>
-      <p:italic r:id="rId21"/>
-      <p:boldItalic r:id="rId22"/>
+      <p:regular r:id="rId22"/>
+      <p:bold r:id="rId23"/>
+      <p:italic r:id="rId24"/>
+      <p:boldItalic r:id="rId25"/>
     </p:embeddedFont>
     <p:embeddedFont>
       <p:font typeface="Open Sans" panose="020B0606030504020204" pitchFamily="34" charset="0"/>
-      <p:regular r:id="rId23"/>
-      <p:bold r:id="rId24"/>
-      <p:italic r:id="rId25"/>
-      <p:boldItalic r:id="rId26"/>
+      <p:regular r:id="rId26"/>
+      <p:bold r:id="rId27"/>
+      <p:italic r:id="rId28"/>
+      <p:boldItalic r:id="rId29"/>
+    </p:embeddedFont>
+    <p:embeddedFont>
+      <p:font typeface="Palace Script MT" panose="030303020206070C0B05" pitchFamily="66" charset="0"/>
+      <p:italic r:id="rId30"/>
     </p:embeddedFont>
     <p:embeddedFont>
       <p:font typeface="Playfair Display" panose="00000500000000000000" pitchFamily="2" charset="0"/>
-      <p:regular r:id="rId27"/>
-      <p:bold r:id="rId28"/>
-      <p:italic r:id="rId29"/>
-      <p:boldItalic r:id="rId30"/>
+      <p:regular r:id="rId31"/>
+      <p:bold r:id="rId32"/>
+      <p:italic r:id="rId33"/>
+      <p:boldItalic r:id="rId34"/>
     </p:embeddedFont>
   </p:embeddedFontLst>
   <p:defaultTextStyle>
@@ -851,6 +858,133 @@
         <p:cNvPr id="1" name="Shape 64">
           <a:extLst>
             <a:ext uri="{FF2B5EF4-FFF2-40B4-BE49-F238E27FC236}">
+              <a16:creationId xmlns:a16="http://schemas.microsoft.com/office/drawing/2014/main" id="{D1580A2F-F8B1-D494-7D57-E5808D4CE7D5}"/>
+            </a:ext>
+          </a:extLst>
+        </p:cNvPr>
+        <p:cNvGrpSpPr/>
+        <p:nvPr/>
+      </p:nvGrpSpPr>
+      <p:grpSpPr>
+        <a:xfrm>
+          <a:off x="0" y="0"/>
+          <a:ext cx="0" cy="0"/>
+          <a:chOff x="0" y="0"/>
+          <a:chExt cx="0" cy="0"/>
+        </a:xfrm>
+      </p:grpSpPr>
+      <p:sp>
+        <p:nvSpPr>
+          <p:cNvPr id="65" name="Google Shape;65;g30a5dabf7ec_0_53:notes">
+            <a:extLst>
+              <a:ext uri="{FF2B5EF4-FFF2-40B4-BE49-F238E27FC236}">
+                <a16:creationId xmlns:a16="http://schemas.microsoft.com/office/drawing/2014/main" id="{542D465B-0FDE-69E4-7628-677DA31E98AE}"/>
+              </a:ext>
+            </a:extLst>
+          </p:cNvPr>
+          <p:cNvSpPr>
+            <a:spLocks noGrp="1" noRot="1" noChangeAspect="1"/>
+          </p:cNvSpPr>
+          <p:nvPr>
+            <p:ph type="sldImg" idx="2"/>
+          </p:nvPr>
+        </p:nvSpPr>
+        <p:spPr>
+          <a:xfrm>
+            <a:off x="381000" y="685800"/>
+            <a:ext cx="6096000" cy="3429000"/>
+          </a:xfrm>
+          <a:custGeom>
+            <a:avLst/>
+            <a:gdLst/>
+            <a:ahLst/>
+            <a:cxnLst/>
+            <a:rect l="l" t="t" r="r" b="b"/>
+            <a:pathLst>
+              <a:path w="120000" h="120000" extrusionOk="0">
+                <a:moveTo>
+                  <a:pt x="0" y="0"/>
+                </a:moveTo>
+                <a:lnTo>
+                  <a:pt x="120000" y="0"/>
+                </a:lnTo>
+                <a:lnTo>
+                  <a:pt x="120000" y="120000"/>
+                </a:lnTo>
+                <a:lnTo>
+                  <a:pt x="0" y="120000"/>
+                </a:lnTo>
+                <a:close/>
+              </a:path>
+            </a:pathLst>
+          </a:custGeom>
+        </p:spPr>
+      </p:sp>
+      <p:sp>
+        <p:nvSpPr>
+          <p:cNvPr id="66" name="Google Shape;66;g30a5dabf7ec_0_53:notes">
+            <a:extLst>
+              <a:ext uri="{FF2B5EF4-FFF2-40B4-BE49-F238E27FC236}">
+                <a16:creationId xmlns:a16="http://schemas.microsoft.com/office/drawing/2014/main" id="{B06C582E-0E4F-56BB-587E-ADB780B3C4A2}"/>
+              </a:ext>
+            </a:extLst>
+          </p:cNvPr>
+          <p:cNvSpPr txBox="1">
+            <a:spLocks noGrp="1"/>
+          </p:cNvSpPr>
+          <p:nvPr>
+            <p:ph type="body" idx="1"/>
+          </p:nvPr>
+        </p:nvSpPr>
+        <p:spPr>
+          <a:xfrm>
+            <a:off x="685800" y="4343400"/>
+            <a:ext cx="5486400" cy="4114800"/>
+          </a:xfrm>
+          <a:prstGeom prst="rect">
+            <a:avLst/>
+          </a:prstGeom>
+        </p:spPr>
+        <p:txBody>
+          <a:bodyPr spcFirstLastPara="1" wrap="square" lIns="91425" tIns="91425" rIns="91425" bIns="91425" anchor="t" anchorCtr="0">
+            <a:noAutofit/>
+          </a:bodyPr>
+          <a:lstStyle/>
+          <a:p>
+            <a:pPr marL="0" lvl="0" indent="0" algn="l" rtl="0">
+              <a:spcBef>
+                <a:spcPts val="0"/>
+              </a:spcBef>
+              <a:spcAft>
+                <a:spcPts val="0"/>
+              </a:spcAft>
+              <a:buNone/>
+            </a:pPr>
+            <a:endParaRPr/>
+          </a:p>
+        </p:txBody>
+      </p:sp>
+    </p:spTree>
+    <p:extLst>
+      <p:ext uri="{BB962C8B-B14F-4D97-AF65-F5344CB8AC3E}">
+        <p14:creationId xmlns:p14="http://schemas.microsoft.com/office/powerpoint/2010/main" val="523024222"/>
+      </p:ext>
+    </p:extLst>
+  </p:cSld>
+  <p:clrMapOvr>
+    <a:masterClrMapping/>
+  </p:clrMapOvr>
+</p:notes>
+</file>
+
+<file path=ppt/notesSlides/notesSlide11.xml><?xml version="1.0" encoding="utf-8"?>
+<p:notes xmlns:a="http://schemas.openxmlformats.org/drawingml/2006/main" xmlns:r="http://schemas.openxmlformats.org/officeDocument/2006/relationships" xmlns:p="http://schemas.openxmlformats.org/presentationml/2006/main" showMasterSp="0" showMasterPhAnim="0">
+  <p:cSld>
+    <p:spTree>
+      <p:nvGrpSpPr>
+        <p:cNvPr id="1" name="Shape 64">
+          <a:extLst>
+            <a:ext uri="{FF2B5EF4-FFF2-40B4-BE49-F238E27FC236}">
               <a16:creationId xmlns:a16="http://schemas.microsoft.com/office/drawing/2014/main" id="{AF10CEC0-4DE3-110D-E8E8-92949C1FD66B}"/>
             </a:ext>
           </a:extLst>
@@ -970,7 +1104,134 @@
 </p:notes>
 </file>
 
-<file path=ppt/notesSlides/notesSlide11.xml><?xml version="1.0" encoding="utf-8"?>
+<file path=ppt/notesSlides/notesSlide12.xml><?xml version="1.0" encoding="utf-8"?>
+<p:notes xmlns:a="http://schemas.openxmlformats.org/drawingml/2006/main" xmlns:r="http://schemas.openxmlformats.org/officeDocument/2006/relationships" xmlns:p="http://schemas.openxmlformats.org/presentationml/2006/main" showMasterSp="0" showMasterPhAnim="0">
+  <p:cSld>
+    <p:spTree>
+      <p:nvGrpSpPr>
+        <p:cNvPr id="1" name="Shape 64">
+          <a:extLst>
+            <a:ext uri="{FF2B5EF4-FFF2-40B4-BE49-F238E27FC236}">
+              <a16:creationId xmlns:a16="http://schemas.microsoft.com/office/drawing/2014/main" id="{5D886933-2A29-E85B-2F3C-EA9028A82C3C}"/>
+            </a:ext>
+          </a:extLst>
+        </p:cNvPr>
+        <p:cNvGrpSpPr/>
+        <p:nvPr/>
+      </p:nvGrpSpPr>
+      <p:grpSpPr>
+        <a:xfrm>
+          <a:off x="0" y="0"/>
+          <a:ext cx="0" cy="0"/>
+          <a:chOff x="0" y="0"/>
+          <a:chExt cx="0" cy="0"/>
+        </a:xfrm>
+      </p:grpSpPr>
+      <p:sp>
+        <p:nvSpPr>
+          <p:cNvPr id="65" name="Google Shape;65;g30a5dabf7ec_0_53:notes">
+            <a:extLst>
+              <a:ext uri="{FF2B5EF4-FFF2-40B4-BE49-F238E27FC236}">
+                <a16:creationId xmlns:a16="http://schemas.microsoft.com/office/drawing/2014/main" id="{D25106E8-D7C9-FF24-85A0-22134AABF2AC}"/>
+              </a:ext>
+            </a:extLst>
+          </p:cNvPr>
+          <p:cNvSpPr>
+            <a:spLocks noGrp="1" noRot="1" noChangeAspect="1"/>
+          </p:cNvSpPr>
+          <p:nvPr>
+            <p:ph type="sldImg" idx="2"/>
+          </p:nvPr>
+        </p:nvSpPr>
+        <p:spPr>
+          <a:xfrm>
+            <a:off x="381000" y="685800"/>
+            <a:ext cx="6096000" cy="3429000"/>
+          </a:xfrm>
+          <a:custGeom>
+            <a:avLst/>
+            <a:gdLst/>
+            <a:ahLst/>
+            <a:cxnLst/>
+            <a:rect l="l" t="t" r="r" b="b"/>
+            <a:pathLst>
+              <a:path w="120000" h="120000" extrusionOk="0">
+                <a:moveTo>
+                  <a:pt x="0" y="0"/>
+                </a:moveTo>
+                <a:lnTo>
+                  <a:pt x="120000" y="0"/>
+                </a:lnTo>
+                <a:lnTo>
+                  <a:pt x="120000" y="120000"/>
+                </a:lnTo>
+                <a:lnTo>
+                  <a:pt x="0" y="120000"/>
+                </a:lnTo>
+                <a:close/>
+              </a:path>
+            </a:pathLst>
+          </a:custGeom>
+        </p:spPr>
+      </p:sp>
+      <p:sp>
+        <p:nvSpPr>
+          <p:cNvPr id="66" name="Google Shape;66;g30a5dabf7ec_0_53:notes">
+            <a:extLst>
+              <a:ext uri="{FF2B5EF4-FFF2-40B4-BE49-F238E27FC236}">
+                <a16:creationId xmlns:a16="http://schemas.microsoft.com/office/drawing/2014/main" id="{6FE10D26-227B-85E2-D341-1A761B09A28E}"/>
+              </a:ext>
+            </a:extLst>
+          </p:cNvPr>
+          <p:cNvSpPr txBox="1">
+            <a:spLocks noGrp="1"/>
+          </p:cNvSpPr>
+          <p:nvPr>
+            <p:ph type="body" idx="1"/>
+          </p:nvPr>
+        </p:nvSpPr>
+        <p:spPr>
+          <a:xfrm>
+            <a:off x="685800" y="4343400"/>
+            <a:ext cx="5486400" cy="4114800"/>
+          </a:xfrm>
+          <a:prstGeom prst="rect">
+            <a:avLst/>
+          </a:prstGeom>
+        </p:spPr>
+        <p:txBody>
+          <a:bodyPr spcFirstLastPara="1" wrap="square" lIns="91425" tIns="91425" rIns="91425" bIns="91425" anchor="t" anchorCtr="0">
+            <a:noAutofit/>
+          </a:bodyPr>
+          <a:lstStyle/>
+          <a:p>
+            <a:pPr marL="0" lvl="0" indent="0" algn="l" rtl="0">
+              <a:spcBef>
+                <a:spcPts val="0"/>
+              </a:spcBef>
+              <a:spcAft>
+                <a:spcPts val="0"/>
+              </a:spcAft>
+              <a:buNone/>
+            </a:pPr>
+            <a:endParaRPr/>
+          </a:p>
+        </p:txBody>
+      </p:sp>
+    </p:spTree>
+    <p:extLst>
+      <p:ext uri="{BB962C8B-B14F-4D97-AF65-F5344CB8AC3E}">
+        <p14:creationId xmlns:p14="http://schemas.microsoft.com/office/powerpoint/2010/main" val="967758762"/>
+      </p:ext>
+    </p:extLst>
+  </p:cSld>
+  <p:clrMapOvr>
+    <a:masterClrMapping/>
+  </p:clrMapOvr>
+</p:notes>
+</file>
+
+<file path=ppt/notesSlides/notesSlide13.xml><?xml version="1.0" encoding="utf-8"?>
 <p:notes xmlns:a="http://schemas.openxmlformats.org/drawingml/2006/main" xmlns:r="http://schemas.openxmlformats.org/officeDocument/2006/relationships" xmlns:p="http://schemas.openxmlformats.org/presentationml/2006/main" showMasterSp="0" showMasterPhAnim="0">
   <p:cSld>
     <p:spTree>
@@ -1097,7 +1358,7 @@
 </p:notes>
 </file>
 
-<file path=ppt/notesSlides/notesSlide12.xml><?xml version="1.0" encoding="utf-8"?>
+<file path=ppt/notesSlides/notesSlide14.xml><?xml version="1.0" encoding="utf-8"?>
 <p:notes xmlns:a="http://schemas.openxmlformats.org/drawingml/2006/main" xmlns:r="http://schemas.openxmlformats.org/officeDocument/2006/relationships" xmlns:p="http://schemas.openxmlformats.org/presentationml/2006/main" showMasterSp="0" showMasterPhAnim="0">
   <p:cSld>
     <p:spTree>
@@ -1224,7 +1485,7 @@
 </p:notes>
 </file>
 
-<file path=ppt/notesSlides/notesSlide13.xml><?xml version="1.0" encoding="utf-8"?>
+<file path=ppt/notesSlides/notesSlide15.xml><?xml version="1.0" encoding="utf-8"?>
 <p:notes xmlns:a="http://schemas.openxmlformats.org/drawingml/2006/main" xmlns:r="http://schemas.openxmlformats.org/officeDocument/2006/relationships" xmlns:p="http://schemas.openxmlformats.org/presentationml/2006/main" showMasterSp="0" showMasterPhAnim="0">
   <p:cSld>
     <p:spTree>
@@ -1351,7 +1612,7 @@
 </p:notes>
 </file>
 
-<file path=ppt/notesSlides/notesSlide14.xml><?xml version="1.0" encoding="utf-8"?>
+<file path=ppt/notesSlides/notesSlide16.xml><?xml version="1.0" encoding="utf-8"?>
 <p:notes xmlns:a="http://schemas.openxmlformats.org/drawingml/2006/main" xmlns:r="http://schemas.openxmlformats.org/officeDocument/2006/relationships" xmlns:p="http://schemas.openxmlformats.org/presentationml/2006/main" showMasterSp="0" showMasterPhAnim="0">
   <p:cSld>
     <p:spTree>
@@ -1478,7 +1739,7 @@
 </p:notes>
 </file>
 
-<file path=ppt/notesSlides/notesSlide15.xml><?xml version="1.0" encoding="utf-8"?>
+<file path=ppt/notesSlides/notesSlide17.xml><?xml version="1.0" encoding="utf-8"?>
 <p:notes xmlns:a="http://schemas.openxmlformats.org/drawingml/2006/main" xmlns:r="http://schemas.openxmlformats.org/officeDocument/2006/relationships" xmlns:p="http://schemas.openxmlformats.org/presentationml/2006/main" showMasterSp="0" showMasterPhAnim="0">
   <p:cSld>
     <p:spTree>
@@ -1605,7 +1866,7 @@
 </p:notes>
 </file>
 
-<file path=ppt/notesSlides/notesSlide16.xml><?xml version="1.0" encoding="utf-8"?>
+<file path=ppt/notesSlides/notesSlide18.xml><?xml version="1.0" encoding="utf-8"?>
 <p:notes xmlns:a="http://schemas.openxmlformats.org/drawingml/2006/main" xmlns:r="http://schemas.openxmlformats.org/officeDocument/2006/relationships" xmlns:p="http://schemas.openxmlformats.org/presentationml/2006/main" showMasterSp="0" showMasterPhAnim="0">
   <p:cSld>
     <p:spTree>
@@ -1723,6 +1984,133 @@
     <p:extLst>
       <p:ext uri="{BB962C8B-B14F-4D97-AF65-F5344CB8AC3E}">
         <p14:creationId xmlns:p14="http://schemas.microsoft.com/office/powerpoint/2010/main" val="3665497139"/>
+      </p:ext>
+    </p:extLst>
+  </p:cSld>
+  <p:clrMapOvr>
+    <a:masterClrMapping/>
+  </p:clrMapOvr>
+</p:notes>
+</file>
+
+<file path=ppt/notesSlides/notesSlide19.xml><?xml version="1.0" encoding="utf-8"?>
+<p:notes xmlns:a="http://schemas.openxmlformats.org/drawingml/2006/main" xmlns:r="http://schemas.openxmlformats.org/officeDocument/2006/relationships" xmlns:p="http://schemas.openxmlformats.org/presentationml/2006/main" showMasterSp="0" showMasterPhAnim="0">
+  <p:cSld>
+    <p:spTree>
+      <p:nvGrpSpPr>
+        <p:cNvPr id="1" name="Shape 64">
+          <a:extLst>
+            <a:ext uri="{FF2B5EF4-FFF2-40B4-BE49-F238E27FC236}">
+              <a16:creationId xmlns:a16="http://schemas.microsoft.com/office/drawing/2014/main" id="{9071C38B-F171-1310-9882-404AE0DED424}"/>
+            </a:ext>
+          </a:extLst>
+        </p:cNvPr>
+        <p:cNvGrpSpPr/>
+        <p:nvPr/>
+      </p:nvGrpSpPr>
+      <p:grpSpPr>
+        <a:xfrm>
+          <a:off x="0" y="0"/>
+          <a:ext cx="0" cy="0"/>
+          <a:chOff x="0" y="0"/>
+          <a:chExt cx="0" cy="0"/>
+        </a:xfrm>
+      </p:grpSpPr>
+      <p:sp>
+        <p:nvSpPr>
+          <p:cNvPr id="65" name="Google Shape;65;g30a5dabf7ec_0_53:notes">
+            <a:extLst>
+              <a:ext uri="{FF2B5EF4-FFF2-40B4-BE49-F238E27FC236}">
+                <a16:creationId xmlns:a16="http://schemas.microsoft.com/office/drawing/2014/main" id="{868473C4-7DA5-69FC-EFC8-C6FFD9C5B49F}"/>
+              </a:ext>
+            </a:extLst>
+          </p:cNvPr>
+          <p:cNvSpPr>
+            <a:spLocks noGrp="1" noRot="1" noChangeAspect="1"/>
+          </p:cNvSpPr>
+          <p:nvPr>
+            <p:ph type="sldImg" idx="2"/>
+          </p:nvPr>
+        </p:nvSpPr>
+        <p:spPr>
+          <a:xfrm>
+            <a:off x="381000" y="685800"/>
+            <a:ext cx="6096000" cy="3429000"/>
+          </a:xfrm>
+          <a:custGeom>
+            <a:avLst/>
+            <a:gdLst/>
+            <a:ahLst/>
+            <a:cxnLst/>
+            <a:rect l="l" t="t" r="r" b="b"/>
+            <a:pathLst>
+              <a:path w="120000" h="120000" extrusionOk="0">
+                <a:moveTo>
+                  <a:pt x="0" y="0"/>
+                </a:moveTo>
+                <a:lnTo>
+                  <a:pt x="120000" y="0"/>
+                </a:lnTo>
+                <a:lnTo>
+                  <a:pt x="120000" y="120000"/>
+                </a:lnTo>
+                <a:lnTo>
+                  <a:pt x="0" y="120000"/>
+                </a:lnTo>
+                <a:close/>
+              </a:path>
+            </a:pathLst>
+          </a:custGeom>
+        </p:spPr>
+      </p:sp>
+      <p:sp>
+        <p:nvSpPr>
+          <p:cNvPr id="66" name="Google Shape;66;g30a5dabf7ec_0_53:notes">
+            <a:extLst>
+              <a:ext uri="{FF2B5EF4-FFF2-40B4-BE49-F238E27FC236}">
+                <a16:creationId xmlns:a16="http://schemas.microsoft.com/office/drawing/2014/main" id="{FA3E55D3-FE65-93A2-4244-B3F2F95A20F5}"/>
+              </a:ext>
+            </a:extLst>
+          </p:cNvPr>
+          <p:cNvSpPr txBox="1">
+            <a:spLocks noGrp="1"/>
+          </p:cNvSpPr>
+          <p:nvPr>
+            <p:ph type="body" idx="1"/>
+          </p:nvPr>
+        </p:nvSpPr>
+        <p:spPr>
+          <a:xfrm>
+            <a:off x="685800" y="4343400"/>
+            <a:ext cx="5486400" cy="4114800"/>
+          </a:xfrm>
+          <a:prstGeom prst="rect">
+            <a:avLst/>
+          </a:prstGeom>
+        </p:spPr>
+        <p:txBody>
+          <a:bodyPr spcFirstLastPara="1" wrap="square" lIns="91425" tIns="91425" rIns="91425" bIns="91425" anchor="t" anchorCtr="0">
+            <a:noAutofit/>
+          </a:bodyPr>
+          <a:lstStyle/>
+          <a:p>
+            <a:pPr marL="0" lvl="0" indent="0" algn="l" rtl="0">
+              <a:spcBef>
+                <a:spcPts val="0"/>
+              </a:spcBef>
+              <a:spcAft>
+                <a:spcPts val="0"/>
+              </a:spcAft>
+              <a:buNone/>
+            </a:pPr>
+            <a:endParaRPr/>
+          </a:p>
+        </p:txBody>
+      </p:sp>
+    </p:spTree>
+    <p:extLst>
+      <p:ext uri="{BB962C8B-B14F-4D97-AF65-F5344CB8AC3E}">
+        <p14:creationId xmlns:p14="http://schemas.microsoft.com/office/powerpoint/2010/main" val="3111905010"/>
       </p:ext>
     </p:extLst>
   </p:cSld>
@@ -2121,7 +2509,7 @@
         <p:cNvPr id="1" name="Shape 64">
           <a:extLst>
             <a:ext uri="{FF2B5EF4-FFF2-40B4-BE49-F238E27FC236}">
-              <a16:creationId xmlns:a16="http://schemas.microsoft.com/office/drawing/2014/main" id="{05436FDD-5D49-3B85-8489-4D6CFADC6FE1}"/>
+              <a16:creationId xmlns:a16="http://schemas.microsoft.com/office/drawing/2014/main" id="{FACEDA79-DE47-1525-8E22-B4386D6C716D}"/>
             </a:ext>
           </a:extLst>
         </p:cNvPr>
@@ -2141,7 +2529,7 @@
           <p:cNvPr id="65" name="Google Shape;65;g30a5dabf7ec_0_53:notes">
             <a:extLst>
               <a:ext uri="{FF2B5EF4-FFF2-40B4-BE49-F238E27FC236}">
-                <a16:creationId xmlns:a16="http://schemas.microsoft.com/office/drawing/2014/main" id="{29558C6B-1A7A-2542-5C13-769E47F6832A}"/>
+                <a16:creationId xmlns:a16="http://schemas.microsoft.com/office/drawing/2014/main" id="{40199CF4-329D-6FE7-7C1A-B33046179DDE}"/>
               </a:ext>
             </a:extLst>
           </p:cNvPr>
@@ -2188,7 +2576,7 @@
           <p:cNvPr id="66" name="Google Shape;66;g30a5dabf7ec_0_53:notes">
             <a:extLst>
               <a:ext uri="{FF2B5EF4-FFF2-40B4-BE49-F238E27FC236}">
-                <a16:creationId xmlns:a16="http://schemas.microsoft.com/office/drawing/2014/main" id="{FA84728A-A2C7-8B1E-C7ED-907A1E4AD379}"/>
+                <a16:creationId xmlns:a16="http://schemas.microsoft.com/office/drawing/2014/main" id="{EB46AF80-45A1-232A-4649-5E84EEB6086F}"/>
               </a:ext>
             </a:extLst>
           </p:cNvPr>
@@ -2230,7 +2618,7 @@
     </p:spTree>
     <p:extLst>
       <p:ext uri="{BB962C8B-B14F-4D97-AF65-F5344CB8AC3E}">
-        <p14:creationId xmlns:p14="http://schemas.microsoft.com/office/powerpoint/2010/main" val="2667033995"/>
+        <p14:creationId xmlns:p14="http://schemas.microsoft.com/office/powerpoint/2010/main" val="4207857137"/>
       </p:ext>
     </p:extLst>
   </p:cSld>
@@ -2629,7 +3017,7 @@
         <p:cNvPr id="1" name="Shape 64">
           <a:extLst>
             <a:ext uri="{FF2B5EF4-FFF2-40B4-BE49-F238E27FC236}">
-              <a16:creationId xmlns:a16="http://schemas.microsoft.com/office/drawing/2014/main" id="{D1580A2F-F8B1-D494-7D57-E5808D4CE7D5}"/>
+              <a16:creationId xmlns:a16="http://schemas.microsoft.com/office/drawing/2014/main" id="{F1AA1ED8-2185-8EAC-CF41-FA968E19F0C0}"/>
             </a:ext>
           </a:extLst>
         </p:cNvPr>
@@ -2649,7 +3037,7 @@
           <p:cNvPr id="65" name="Google Shape;65;g30a5dabf7ec_0_53:notes">
             <a:extLst>
               <a:ext uri="{FF2B5EF4-FFF2-40B4-BE49-F238E27FC236}">
-                <a16:creationId xmlns:a16="http://schemas.microsoft.com/office/drawing/2014/main" id="{542D465B-0FDE-69E4-7628-677DA31E98AE}"/>
+                <a16:creationId xmlns:a16="http://schemas.microsoft.com/office/drawing/2014/main" id="{0A59E8AA-E49C-7670-AA8B-EE85BDD5B837}"/>
               </a:ext>
             </a:extLst>
           </p:cNvPr>
@@ -2696,7 +3084,7 @@
           <p:cNvPr id="66" name="Google Shape;66;g30a5dabf7ec_0_53:notes">
             <a:extLst>
               <a:ext uri="{FF2B5EF4-FFF2-40B4-BE49-F238E27FC236}">
-                <a16:creationId xmlns:a16="http://schemas.microsoft.com/office/drawing/2014/main" id="{B06C582E-0E4F-56BB-587E-ADB780B3C4A2}"/>
+                <a16:creationId xmlns:a16="http://schemas.microsoft.com/office/drawing/2014/main" id="{67730ED9-2DED-CED3-9F54-AD9B0F8D7139}"/>
               </a:ext>
             </a:extLst>
           </p:cNvPr>
@@ -2738,7 +3126,7 @@
     </p:spTree>
     <p:extLst>
       <p:ext uri="{BB962C8B-B14F-4D97-AF65-F5344CB8AC3E}">
-        <p14:creationId xmlns:p14="http://schemas.microsoft.com/office/powerpoint/2010/main" val="523024222"/>
+        <p14:creationId xmlns:p14="http://schemas.microsoft.com/office/powerpoint/2010/main" val="2876780202"/>
       </p:ext>
     </p:extLst>
   </p:cSld>
@@ -8439,6 +8827,231 @@
         <p:cNvPr id="1" name="Shape 67">
           <a:extLst>
             <a:ext uri="{FF2B5EF4-FFF2-40B4-BE49-F238E27FC236}">
+              <a16:creationId xmlns:a16="http://schemas.microsoft.com/office/drawing/2014/main" id="{5768DD6F-ECF6-1A07-0E89-F66045E1C82F}"/>
+            </a:ext>
+          </a:extLst>
+        </p:cNvPr>
+        <p:cNvGrpSpPr/>
+        <p:nvPr/>
+      </p:nvGrpSpPr>
+      <p:grpSpPr>
+        <a:xfrm>
+          <a:off x="0" y="0"/>
+          <a:ext cx="0" cy="0"/>
+          <a:chOff x="0" y="0"/>
+          <a:chExt cx="0" cy="0"/>
+        </a:xfrm>
+      </p:grpSpPr>
+      <p:sp>
+        <p:nvSpPr>
+          <p:cNvPr id="68" name="Google Shape;68;p14">
+            <a:extLst>
+              <a:ext uri="{FF2B5EF4-FFF2-40B4-BE49-F238E27FC236}">
+                <a16:creationId xmlns:a16="http://schemas.microsoft.com/office/drawing/2014/main" id="{D3C3282C-ED96-9978-299E-FAF7DFB89C22}"/>
+              </a:ext>
+            </a:extLst>
+          </p:cNvPr>
+          <p:cNvSpPr txBox="1">
+            <a:spLocks noGrp="1"/>
+          </p:cNvSpPr>
+          <p:nvPr>
+            <p:ph type="title"/>
+          </p:nvPr>
+        </p:nvSpPr>
+        <p:spPr>
+          <a:xfrm>
+            <a:off x="311700" y="315925"/>
+            <a:ext cx="8520600" cy="831300"/>
+          </a:xfrm>
+          <a:prstGeom prst="rect">
+            <a:avLst/>
+          </a:prstGeom>
+        </p:spPr>
+        <p:txBody>
+          <a:bodyPr spcFirstLastPara="1" wrap="square" lIns="91425" tIns="91425" rIns="91425" bIns="91425" anchor="b" anchorCtr="0">
+            <a:normAutofit/>
+          </a:bodyPr>
+          <a:lstStyle/>
+          <a:p>
+            <a:pPr marL="0" lvl="0" indent="0" algn="l" rtl="0">
+              <a:spcBef>
+                <a:spcPts val="0"/>
+              </a:spcBef>
+              <a:spcAft>
+                <a:spcPts val="0"/>
+              </a:spcAft>
+              <a:buNone/>
+            </a:pPr>
+            <a:r>
+              <a:rPr lang="en" b="1" dirty="0"/>
+              <a:t>Variables in the Dataset</a:t>
+            </a:r>
+            <a:endParaRPr b="1" dirty="0"/>
+          </a:p>
+        </p:txBody>
+      </p:sp>
+      <p:sp>
+        <p:nvSpPr>
+          <p:cNvPr id="69" name="Google Shape;69;p14">
+            <a:extLst>
+              <a:ext uri="{FF2B5EF4-FFF2-40B4-BE49-F238E27FC236}">
+                <a16:creationId xmlns:a16="http://schemas.microsoft.com/office/drawing/2014/main" id="{1B7363F8-65E8-FA35-F612-37A9ED0C09A5}"/>
+              </a:ext>
+            </a:extLst>
+          </p:cNvPr>
+          <p:cNvSpPr txBox="1">
+            <a:spLocks noGrp="1"/>
+          </p:cNvSpPr>
+          <p:nvPr>
+            <p:ph type="body" idx="1"/>
+          </p:nvPr>
+        </p:nvSpPr>
+        <p:spPr>
+          <a:xfrm>
+            <a:off x="623400" y="1440150"/>
+            <a:ext cx="8208900" cy="3354000"/>
+          </a:xfrm>
+          <a:prstGeom prst="rect">
+            <a:avLst/>
+          </a:prstGeom>
+        </p:spPr>
+        <p:txBody>
+          <a:bodyPr spcFirstLastPara="1" wrap="square" lIns="91425" tIns="91425" rIns="91425" bIns="91425" anchor="t" anchorCtr="0">
+            <a:normAutofit/>
+          </a:bodyPr>
+          <a:lstStyle/>
+          <a:p>
+            <a:pPr marL="114300" lvl="0" indent="0" algn="l" rtl="0">
+              <a:lnSpc>
+                <a:spcPct val="200000"/>
+              </a:lnSpc>
+              <a:spcBef>
+                <a:spcPts val="0"/>
+              </a:spcBef>
+              <a:spcAft>
+                <a:spcPts val="0"/>
+              </a:spcAft>
+              <a:buSzPts val="1800"/>
+              <a:buNone/>
+            </a:pPr>
+            <a:r>
+              <a:rPr lang="en-US" b="1" dirty="0"/>
+              <a:t>Dependent (y) Variable (Target –y):</a:t>
+            </a:r>
+          </a:p>
+          <a:p>
+            <a:pPr marL="114300" lvl="0" indent="0" algn="l" rtl="0">
+              <a:lnSpc>
+                <a:spcPct val="200000"/>
+              </a:lnSpc>
+              <a:spcBef>
+                <a:spcPts val="0"/>
+              </a:spcBef>
+              <a:spcAft>
+                <a:spcPts val="0"/>
+              </a:spcAft>
+              <a:buSzPts val="1800"/>
+              <a:buNone/>
+            </a:pPr>
+            <a:r>
+              <a:rPr lang="en-US" dirty="0"/>
+              <a:t>Emotion Label:</a:t>
+            </a:r>
+          </a:p>
+          <a:p>
+            <a:pPr lvl="1">
+              <a:lnSpc>
+                <a:spcPct val="200000"/>
+              </a:lnSpc>
+            </a:pPr>
+            <a:r>
+              <a:rPr lang="en-US" dirty="0"/>
+              <a:t>Positive (1)</a:t>
+            </a:r>
+          </a:p>
+          <a:p>
+            <a:pPr lvl="1">
+              <a:lnSpc>
+                <a:spcPct val="200000"/>
+              </a:lnSpc>
+            </a:pPr>
+            <a:r>
+              <a:rPr lang="en-US" dirty="0"/>
+              <a:t>Negative (0)</a:t>
+            </a:r>
+          </a:p>
+          <a:p>
+            <a:pPr marL="596900" lvl="1" indent="0">
+              <a:lnSpc>
+                <a:spcPct val="200000"/>
+              </a:lnSpc>
+              <a:buNone/>
+            </a:pPr>
+            <a:endParaRPr lang="en-US" dirty="0"/>
+          </a:p>
+          <a:p>
+            <a:pPr marL="114300" indent="0">
+              <a:lnSpc>
+                <a:spcPct val="200000"/>
+              </a:lnSpc>
+              <a:buNone/>
+            </a:pPr>
+            <a:endParaRPr lang="en-US" dirty="0"/>
+          </a:p>
+          <a:p>
+            <a:pPr marL="114300" indent="0">
+              <a:lnSpc>
+                <a:spcPct val="200000"/>
+              </a:lnSpc>
+              <a:buNone/>
+            </a:pPr>
+            <a:endParaRPr lang="en-US" dirty="0"/>
+          </a:p>
+          <a:p>
+            <a:pPr marL="114300" indent="0">
+              <a:lnSpc>
+                <a:spcPct val="200000"/>
+              </a:lnSpc>
+              <a:buNone/>
+            </a:pPr>
+            <a:endParaRPr lang="en-US" dirty="0"/>
+          </a:p>
+        </p:txBody>
+      </p:sp>
+    </p:spTree>
+    <p:extLst>
+      <p:ext uri="{BB962C8B-B14F-4D97-AF65-F5344CB8AC3E}">
+        <p14:creationId xmlns:p14="http://schemas.microsoft.com/office/powerpoint/2010/main" val="1143585369"/>
+      </p:ext>
+    </p:extLst>
+  </p:cSld>
+  <p:clrMapOvr>
+    <a:masterClrMapping/>
+  </p:clrMapOvr>
+</p:sld>
+</file>
+
+<file path=ppt/slides/slide11.xml><?xml version="1.0" encoding="utf-8"?>
+<p:sld xmlns:a="http://schemas.openxmlformats.org/drawingml/2006/main" xmlns:r="http://schemas.openxmlformats.org/officeDocument/2006/relationships" xmlns:p="http://schemas.openxmlformats.org/presentationml/2006/main" showMasterSp="0">
+  <p:cSld>
+    <p:bg>
+      <p:bgPr>
+        <a:blipFill dpi="0" rotWithShape="1">
+          <a:blip r:embed="rId3">
+            <a:alphaModFix amt="52000"/>
+            <a:lum/>
+          </a:blip>
+          <a:srcRect/>
+          <a:tile tx="0" ty="0" sx="100000" sy="100000" flip="none" algn="tl"/>
+        </a:blipFill>
+        <a:effectLst/>
+      </p:bgPr>
+    </p:bg>
+    <p:spTree>
+      <p:nvGrpSpPr>
+        <p:cNvPr id="1" name="Shape 67">
+          <a:extLst>
+            <a:ext uri="{FF2B5EF4-FFF2-40B4-BE49-F238E27FC236}">
               <a16:creationId xmlns:a16="http://schemas.microsoft.com/office/drawing/2014/main" id="{9A1D68C0-3BEF-18E1-A1FD-4FB606463671}"/>
             </a:ext>
           </a:extLst>
@@ -8521,7 +9134,7 @@
         <p:spPr>
           <a:xfrm>
             <a:off x="623400" y="1440150"/>
-            <a:ext cx="8208900" cy="3387425"/>
+            <a:ext cx="8208900" cy="3354000"/>
           </a:xfrm>
           <a:prstGeom prst="rect">
             <a:avLst/>
@@ -8646,10 +9259,11 @@
             </a:r>
           </a:p>
           <a:p>
-            <a:pPr>
-              <a:lnSpc>
-                <a:spcPct val="200000"/>
-              </a:lnSpc>
+            <a:pPr marL="114300" indent="0">
+              <a:lnSpc>
+                <a:spcPct val="200000"/>
+              </a:lnSpc>
+              <a:buNone/>
             </a:pPr>
             <a:endParaRPr lang="en-US" dirty="0"/>
           </a:p>
@@ -8722,7 +9336,260 @@
 </p:sld>
 </file>
 
-<file path=ppt/slides/slide11.xml><?xml version="1.0" encoding="utf-8"?>
+<file path=ppt/slides/slide12.xml><?xml version="1.0" encoding="utf-8"?>
+<p:sld xmlns:a="http://schemas.openxmlformats.org/drawingml/2006/main" xmlns:r="http://schemas.openxmlformats.org/officeDocument/2006/relationships" xmlns:p="http://schemas.openxmlformats.org/presentationml/2006/main" showMasterSp="0">
+  <p:cSld>
+    <p:bg>
+      <p:bgPr>
+        <a:blipFill dpi="0" rotWithShape="1">
+          <a:blip r:embed="rId3">
+            <a:alphaModFix amt="52000"/>
+            <a:lum/>
+          </a:blip>
+          <a:srcRect/>
+          <a:tile tx="0" ty="0" sx="100000" sy="100000" flip="none" algn="tl"/>
+        </a:blipFill>
+        <a:effectLst/>
+      </p:bgPr>
+    </p:bg>
+    <p:spTree>
+      <p:nvGrpSpPr>
+        <p:cNvPr id="1" name="Shape 67">
+          <a:extLst>
+            <a:ext uri="{FF2B5EF4-FFF2-40B4-BE49-F238E27FC236}">
+              <a16:creationId xmlns:a16="http://schemas.microsoft.com/office/drawing/2014/main" id="{8960D985-991A-D3A1-71DE-82D1A1A03D65}"/>
+            </a:ext>
+          </a:extLst>
+        </p:cNvPr>
+        <p:cNvGrpSpPr/>
+        <p:nvPr/>
+      </p:nvGrpSpPr>
+      <p:grpSpPr>
+        <a:xfrm>
+          <a:off x="0" y="0"/>
+          <a:ext cx="0" cy="0"/>
+          <a:chOff x="0" y="0"/>
+          <a:chExt cx="0" cy="0"/>
+        </a:xfrm>
+      </p:grpSpPr>
+      <p:sp>
+        <p:nvSpPr>
+          <p:cNvPr id="68" name="Google Shape;68;p14">
+            <a:extLst>
+              <a:ext uri="{FF2B5EF4-FFF2-40B4-BE49-F238E27FC236}">
+                <a16:creationId xmlns:a16="http://schemas.microsoft.com/office/drawing/2014/main" id="{2EBB96E8-9804-CE26-6C11-0C66B0BA6403}"/>
+              </a:ext>
+            </a:extLst>
+          </p:cNvPr>
+          <p:cNvSpPr txBox="1">
+            <a:spLocks noGrp="1"/>
+          </p:cNvSpPr>
+          <p:nvPr>
+            <p:ph type="title"/>
+          </p:nvPr>
+        </p:nvSpPr>
+        <p:spPr>
+          <a:xfrm>
+            <a:off x="311700" y="315925"/>
+            <a:ext cx="8520600" cy="831300"/>
+          </a:xfrm>
+          <a:prstGeom prst="rect">
+            <a:avLst/>
+          </a:prstGeom>
+        </p:spPr>
+        <p:txBody>
+          <a:bodyPr spcFirstLastPara="1" wrap="square" lIns="91425" tIns="91425" rIns="91425" bIns="91425" anchor="b" anchorCtr="0">
+            <a:normAutofit/>
+          </a:bodyPr>
+          <a:lstStyle/>
+          <a:p>
+            <a:pPr marL="0" lvl="0" indent="0" algn="l" rtl="0">
+              <a:spcBef>
+                <a:spcPts val="0"/>
+              </a:spcBef>
+              <a:spcAft>
+                <a:spcPts val="0"/>
+              </a:spcAft>
+              <a:buNone/>
+            </a:pPr>
+            <a:r>
+              <a:rPr lang="en" b="1" dirty="0"/>
+              <a:t>Performance and Accuracy Evaluation</a:t>
+            </a:r>
+            <a:endParaRPr b="1" dirty="0"/>
+          </a:p>
+        </p:txBody>
+      </p:sp>
+      <p:sp>
+        <p:nvSpPr>
+          <p:cNvPr id="69" name="Google Shape;69;p14">
+            <a:extLst>
+              <a:ext uri="{FF2B5EF4-FFF2-40B4-BE49-F238E27FC236}">
+                <a16:creationId xmlns:a16="http://schemas.microsoft.com/office/drawing/2014/main" id="{C25CA83D-AEA9-3DFC-0327-B3162D990EA6}"/>
+              </a:ext>
+            </a:extLst>
+          </p:cNvPr>
+          <p:cNvSpPr txBox="1">
+            <a:spLocks noGrp="1"/>
+          </p:cNvSpPr>
+          <p:nvPr>
+            <p:ph type="body" idx="1"/>
+          </p:nvPr>
+        </p:nvSpPr>
+        <p:spPr>
+          <a:xfrm>
+            <a:off x="623400" y="1440150"/>
+            <a:ext cx="8208900" cy="3354000"/>
+          </a:xfrm>
+          <a:prstGeom prst="rect">
+            <a:avLst/>
+          </a:prstGeom>
+        </p:spPr>
+        <p:txBody>
+          <a:bodyPr spcFirstLastPara="1" wrap="square" lIns="91425" tIns="91425" rIns="91425" bIns="91425" anchor="t" anchorCtr="0">
+            <a:normAutofit fontScale="92500" lnSpcReduction="10000"/>
+          </a:bodyPr>
+          <a:lstStyle/>
+          <a:p>
+            <a:pPr marL="114300" lvl="0" indent="0" algn="l" rtl="0">
+              <a:lnSpc>
+                <a:spcPct val="200000"/>
+              </a:lnSpc>
+              <a:spcBef>
+                <a:spcPts val="0"/>
+              </a:spcBef>
+              <a:spcAft>
+                <a:spcPts val="0"/>
+              </a:spcAft>
+              <a:buSzPts val="1800"/>
+              <a:buNone/>
+            </a:pPr>
+            <a:r>
+              <a:rPr lang="en-US" b="1" dirty="0"/>
+              <a:t>Accuracy Results:</a:t>
+            </a:r>
+          </a:p>
+          <a:p>
+            <a:pPr>
+              <a:lnSpc>
+                <a:spcPct val="200000"/>
+              </a:lnSpc>
+            </a:pPr>
+            <a:r>
+              <a:rPr lang="en-US" dirty="0"/>
+              <a:t>Fine-tuned Random Forest Model Accuracy:</a:t>
+            </a:r>
+          </a:p>
+          <a:p>
+            <a:pPr lvl="1">
+              <a:lnSpc>
+                <a:spcPct val="200000"/>
+              </a:lnSpc>
+            </a:pPr>
+            <a:r>
+              <a:rPr lang="en-US" b="1" dirty="0"/>
+              <a:t>Test Accuracy: </a:t>
+            </a:r>
+            <a:r>
+              <a:rPr lang="en-US" dirty="0"/>
+              <a:t>1.0</a:t>
+            </a:r>
+          </a:p>
+          <a:p>
+            <a:pPr lvl="1">
+              <a:lnSpc>
+                <a:spcPct val="200000"/>
+              </a:lnSpc>
+            </a:pPr>
+            <a:r>
+              <a:rPr lang="en-US" b="1" dirty="0"/>
+              <a:t>Validation Accuracy </a:t>
+            </a:r>
+            <a:r>
+              <a:rPr lang="en-US" dirty="0"/>
+              <a:t>: 1.0</a:t>
+            </a:r>
+          </a:p>
+          <a:p>
+            <a:pPr lvl="1">
+              <a:lnSpc>
+                <a:spcPct val="200000"/>
+              </a:lnSpc>
+            </a:pPr>
+            <a:r>
+              <a:rPr lang="en-US" b="1" dirty="0"/>
+              <a:t>Cross-Validation Mean Accuracy: </a:t>
+            </a:r>
+            <a:r>
+              <a:rPr lang="en-US" dirty="0"/>
+              <a:t>0.976</a:t>
+            </a:r>
+            <a:endParaRPr lang="en-US" b="1" dirty="0"/>
+          </a:p>
+          <a:p>
+            <a:pPr marL="139700" indent="0">
+              <a:lnSpc>
+                <a:spcPct val="200000"/>
+              </a:lnSpc>
+              <a:buNone/>
+            </a:pPr>
+            <a:r>
+              <a:rPr lang="en-US" dirty="0"/>
+              <a:t>This high accuracy across test, validation, and cross-validation indicates that the model is well-optimized.</a:t>
+            </a:r>
+          </a:p>
+          <a:p>
+            <a:pPr marL="596900" lvl="1" indent="0">
+              <a:lnSpc>
+                <a:spcPct val="200000"/>
+              </a:lnSpc>
+              <a:buNone/>
+            </a:pPr>
+            <a:endParaRPr lang="en-US" dirty="0"/>
+          </a:p>
+          <a:p>
+            <a:pPr marL="114300" indent="0">
+              <a:lnSpc>
+                <a:spcPct val="200000"/>
+              </a:lnSpc>
+              <a:buNone/>
+            </a:pPr>
+            <a:endParaRPr lang="en-US" dirty="0"/>
+          </a:p>
+          <a:p>
+            <a:pPr marL="114300" indent="0">
+              <a:lnSpc>
+                <a:spcPct val="200000"/>
+              </a:lnSpc>
+              <a:buNone/>
+            </a:pPr>
+            <a:endParaRPr lang="en-US" dirty="0"/>
+          </a:p>
+          <a:p>
+            <a:pPr marL="114300" indent="0">
+              <a:lnSpc>
+                <a:spcPct val="200000"/>
+              </a:lnSpc>
+              <a:buNone/>
+            </a:pPr>
+            <a:endParaRPr lang="en-US" dirty="0"/>
+          </a:p>
+        </p:txBody>
+      </p:sp>
+    </p:spTree>
+    <p:extLst>
+      <p:ext uri="{BB962C8B-B14F-4D97-AF65-F5344CB8AC3E}">
+        <p14:creationId xmlns:p14="http://schemas.microsoft.com/office/powerpoint/2010/main" val="2947158257"/>
+      </p:ext>
+    </p:extLst>
+  </p:cSld>
+  <p:clrMapOvr>
+    <a:masterClrMapping/>
+  </p:clrMapOvr>
+</p:sld>
+</file>
+
+<file path=ppt/slides/slide13.xml><?xml version="1.0" encoding="utf-8"?>
 <p:sld xmlns:a="http://schemas.openxmlformats.org/drawingml/2006/main" xmlns:r="http://schemas.openxmlformats.org/officeDocument/2006/relationships" xmlns:p="http://schemas.openxmlformats.org/presentationml/2006/main" showMasterSp="0">
   <p:cSld>
     <p:bg>
@@ -8995,7 +9862,7 @@
 </p:sld>
 </file>
 
-<file path=ppt/slides/slide12.xml><?xml version="1.0" encoding="utf-8"?>
+<file path=ppt/slides/slide14.xml><?xml version="1.0" encoding="utf-8"?>
 <p:sld xmlns:a="http://schemas.openxmlformats.org/drawingml/2006/main" xmlns:r="http://schemas.openxmlformats.org/officeDocument/2006/relationships" xmlns:p="http://schemas.openxmlformats.org/presentationml/2006/main" showMasterSp="0">
   <p:cSld>
     <p:bg>
@@ -9223,7 +10090,7 @@
 </p:sld>
 </file>
 
-<file path=ppt/slides/slide13.xml><?xml version="1.0" encoding="utf-8"?>
+<file path=ppt/slides/slide15.xml><?xml version="1.0" encoding="utf-8"?>
 <p:sld xmlns:a="http://schemas.openxmlformats.org/drawingml/2006/main" xmlns:r="http://schemas.openxmlformats.org/officeDocument/2006/relationships" xmlns:p="http://schemas.openxmlformats.org/presentationml/2006/main" showMasterSp="0">
   <p:cSld>
     <p:bg>
@@ -9461,7 +10328,7 @@
 </p:sld>
 </file>
 
-<file path=ppt/slides/slide14.xml><?xml version="1.0" encoding="utf-8"?>
+<file path=ppt/slides/slide16.xml><?xml version="1.0" encoding="utf-8"?>
 <p:sld xmlns:a="http://schemas.openxmlformats.org/drawingml/2006/main" xmlns:r="http://schemas.openxmlformats.org/officeDocument/2006/relationships" xmlns:p="http://schemas.openxmlformats.org/presentationml/2006/main" showMasterSp="0">
   <p:cSld>
     <p:bg>
@@ -9712,7 +10579,7 @@
 </p:sld>
 </file>
 
-<file path=ppt/slides/slide15.xml><?xml version="1.0" encoding="utf-8"?>
+<file path=ppt/slides/slide17.xml><?xml version="1.0" encoding="utf-8"?>
 <p:sld xmlns:a="http://schemas.openxmlformats.org/drawingml/2006/main" xmlns:r="http://schemas.openxmlformats.org/officeDocument/2006/relationships" xmlns:p="http://schemas.openxmlformats.org/presentationml/2006/main" showMasterSp="0">
   <p:cSld>
     <p:bg>
@@ -9979,7 +10846,7 @@
 </p:sld>
 </file>
 
-<file path=ppt/slides/slide16.xml><?xml version="1.0" encoding="utf-8"?>
+<file path=ppt/slides/slide18.xml><?xml version="1.0" encoding="utf-8"?>
 <p:sld xmlns:a="http://schemas.openxmlformats.org/drawingml/2006/main" xmlns:r="http://schemas.openxmlformats.org/officeDocument/2006/relationships" xmlns:p="http://schemas.openxmlformats.org/presentationml/2006/main" showMasterSp="0">
   <p:cSld>
     <p:bg>
@@ -10237,6 +11104,141 @@
     <p:extLst>
       <p:ext uri="{BB962C8B-B14F-4D97-AF65-F5344CB8AC3E}">
         <p14:creationId xmlns:p14="http://schemas.microsoft.com/office/powerpoint/2010/main" val="3935824877"/>
+      </p:ext>
+    </p:extLst>
+  </p:cSld>
+  <p:clrMapOvr>
+    <a:masterClrMapping/>
+  </p:clrMapOvr>
+</p:sld>
+</file>
+
+<file path=ppt/slides/slide19.xml><?xml version="1.0" encoding="utf-8"?>
+<p:sld xmlns:a="http://schemas.openxmlformats.org/drawingml/2006/main" xmlns:r="http://schemas.openxmlformats.org/officeDocument/2006/relationships" xmlns:p="http://schemas.openxmlformats.org/presentationml/2006/main" showMasterSp="0">
+  <p:cSld>
+    <p:bg>
+      <p:bgPr>
+        <a:blipFill dpi="0" rotWithShape="1">
+          <a:blip r:embed="rId3">
+            <a:alphaModFix amt="52000"/>
+            <a:lum/>
+          </a:blip>
+          <a:srcRect/>
+          <a:tile tx="0" ty="0" sx="100000" sy="100000" flip="none" algn="tl"/>
+        </a:blipFill>
+        <a:effectLst/>
+      </p:bgPr>
+    </p:bg>
+    <p:spTree>
+      <p:nvGrpSpPr>
+        <p:cNvPr id="1" name="Shape 67">
+          <a:extLst>
+            <a:ext uri="{FF2B5EF4-FFF2-40B4-BE49-F238E27FC236}">
+              <a16:creationId xmlns:a16="http://schemas.microsoft.com/office/drawing/2014/main" id="{FE3468BB-40D1-D347-D05C-FAFF57D54BF7}"/>
+            </a:ext>
+          </a:extLst>
+        </p:cNvPr>
+        <p:cNvGrpSpPr/>
+        <p:nvPr/>
+      </p:nvGrpSpPr>
+      <p:grpSpPr>
+        <a:xfrm>
+          <a:off x="0" y="0"/>
+          <a:ext cx="0" cy="0"/>
+          <a:chOff x="0" y="0"/>
+          <a:chExt cx="0" cy="0"/>
+        </a:xfrm>
+      </p:grpSpPr>
+      <p:sp>
+        <p:nvSpPr>
+          <p:cNvPr id="3" name="Title 2">
+            <a:extLst>
+              <a:ext uri="{FF2B5EF4-FFF2-40B4-BE49-F238E27FC236}">
+                <a16:creationId xmlns:a16="http://schemas.microsoft.com/office/drawing/2014/main" id="{8CC12B0D-F9B6-1AFF-5C8B-E5B4FC3F4C25}"/>
+              </a:ext>
+            </a:extLst>
+          </p:cNvPr>
+          <p:cNvSpPr>
+            <a:spLocks noGrp="1"/>
+          </p:cNvSpPr>
+          <p:nvPr>
+            <p:ph type="title"/>
+          </p:nvPr>
+        </p:nvSpPr>
+        <p:spPr>
+          <a:xfrm>
+            <a:off x="311700" y="1631768"/>
+            <a:ext cx="8520600" cy="1208075"/>
+          </a:xfrm>
+        </p:spPr>
+        <p:txBody>
+          <a:bodyPr>
+            <a:noAutofit/>
+          </a:bodyPr>
+          <a:lstStyle/>
+          <a:p>
+            <a:pPr algn="ctr"/>
+            <a:r>
+              <a:rPr lang="en-CA" sz="8000" b="1" dirty="0">
+                <a:latin typeface="Palace Script MT" panose="030303020206070C0B05" pitchFamily="66" charset="0"/>
+                <a:cs typeface="Dreaming Outloud Script Pro" panose="020F0502020204030204" pitchFamily="66" charset="0"/>
+              </a:rPr>
+              <a:t>THANK  YOU</a:t>
+            </a:r>
+          </a:p>
+        </p:txBody>
+      </p:sp>
+      <p:sp>
+        <p:nvSpPr>
+          <p:cNvPr id="6" name="TextBox 5">
+            <a:extLst>
+              <a:ext uri="{FF2B5EF4-FFF2-40B4-BE49-F238E27FC236}">
+                <a16:creationId xmlns:a16="http://schemas.microsoft.com/office/drawing/2014/main" id="{7598AABF-5B1F-C670-6E1C-0C2DCDF2A5C6}"/>
+              </a:ext>
+            </a:extLst>
+          </p:cNvPr>
+          <p:cNvSpPr txBox="1"/>
+          <p:nvPr/>
+        </p:nvSpPr>
+        <p:spPr>
+          <a:xfrm>
+            <a:off x="3352799" y="3159513"/>
+            <a:ext cx="5400837" cy="523220"/>
+          </a:xfrm>
+          <a:prstGeom prst="rect">
+            <a:avLst/>
+          </a:prstGeom>
+          <a:noFill/>
+        </p:spPr>
+        <p:txBody>
+          <a:bodyPr wrap="none" rtlCol="0">
+            <a:spAutoFit/>
+          </a:bodyPr>
+          <a:lstStyle/>
+          <a:p>
+            <a:r>
+              <a:rPr lang="en-US" b="1" dirty="0"/>
+              <a:t>"The art of writing is the art of discovering what you believe."</a:t>
+            </a:r>
+            <a:br>
+              <a:rPr lang="en-US" dirty="0"/>
+            </a:br>
+            <a:r>
+              <a:rPr lang="en-US" dirty="0"/>
+              <a:t>— </a:t>
+            </a:r>
+            <a:r>
+              <a:rPr lang="en-US" b="1" dirty="0"/>
+              <a:t>Gustave Flaubert</a:t>
+            </a:r>
+            <a:endParaRPr lang="en-CA" dirty="0"/>
+          </a:p>
+        </p:txBody>
+      </p:sp>
+    </p:spTree>
+    <p:extLst>
+      <p:ext uri="{BB962C8B-B14F-4D97-AF65-F5344CB8AC3E}">
+        <p14:creationId xmlns:p14="http://schemas.microsoft.com/office/powerpoint/2010/main" val="4051861586"/>
       </p:ext>
     </p:extLst>
   </p:cSld>
@@ -10804,7 +11806,7 @@
         <p:cNvPr id="1" name="Shape 67">
           <a:extLst>
             <a:ext uri="{FF2B5EF4-FFF2-40B4-BE49-F238E27FC236}">
-              <a16:creationId xmlns:a16="http://schemas.microsoft.com/office/drawing/2014/main" id="{918DA37F-4C73-2B2F-E80A-4848C0DBA3DF}"/>
+              <a16:creationId xmlns:a16="http://schemas.microsoft.com/office/drawing/2014/main" id="{CE8646E5-CBCF-9EF1-95CE-56DC7B6959CA}"/>
             </a:ext>
           </a:extLst>
         </p:cNvPr>
@@ -10819,53 +11821,12 @@
           <a:chExt cx="0" cy="0"/>
         </a:xfrm>
       </p:grpSpPr>
-      <p:sp>
-        <p:nvSpPr>
-          <p:cNvPr id="69" name="Google Shape;69;p14">
+      <p:pic>
+        <p:nvPicPr>
+          <p:cNvPr id="7" name="Picture 6">
             <a:extLst>
               <a:ext uri="{FF2B5EF4-FFF2-40B4-BE49-F238E27FC236}">
-                <a16:creationId xmlns:a16="http://schemas.microsoft.com/office/drawing/2014/main" id="{2B4C5E1E-AE5A-66F1-B11C-5D88B69F7F43}"/>
-              </a:ext>
-            </a:extLst>
-          </p:cNvPr>
-          <p:cNvSpPr txBox="1">
-            <a:spLocks noGrp="1"/>
-          </p:cNvSpPr>
-          <p:nvPr>
-            <p:ph type="body" idx="1"/>
-          </p:nvPr>
-        </p:nvSpPr>
-        <p:spPr>
-          <a:xfrm>
-            <a:off x="623400" y="1440150"/>
-            <a:ext cx="8208900" cy="3354000"/>
-          </a:xfrm>
-          <a:prstGeom prst="rect">
-            <a:avLst/>
-          </a:prstGeom>
-        </p:spPr>
-        <p:txBody>
-          <a:bodyPr spcFirstLastPara="1" wrap="square" lIns="91425" tIns="91425" rIns="91425" bIns="91425" anchor="t" anchorCtr="0">
-            <a:normAutofit/>
-          </a:bodyPr>
-          <a:lstStyle/>
-          <a:p>
-            <a:pPr marL="114300" indent="0">
-              <a:lnSpc>
-                <a:spcPct val="200000"/>
-              </a:lnSpc>
-              <a:buNone/>
-            </a:pPr>
-            <a:endParaRPr lang="en-US" dirty="0"/>
-          </a:p>
-        </p:txBody>
-      </p:sp>
-      <p:pic>
-        <p:nvPicPr>
-          <p:cNvPr id="3" name="Picture 2">
-            <a:extLst>
-              <a:ext uri="{FF2B5EF4-FFF2-40B4-BE49-F238E27FC236}">
-                <a16:creationId xmlns:a16="http://schemas.microsoft.com/office/drawing/2014/main" id="{70FF07FA-AD41-880E-430F-33F847154162}"/>
+                <a16:creationId xmlns:a16="http://schemas.microsoft.com/office/drawing/2014/main" id="{8895EC13-6F7C-3B4C-DD49-90546EA38EC4}"/>
               </a:ext>
             </a:extLst>
           </p:cNvPr>
@@ -10882,8 +11843,8 @@
         </p:blipFill>
         <p:spPr>
           <a:xfrm>
-            <a:off x="282230" y="349350"/>
-            <a:ext cx="8579539" cy="4444800"/>
+            <a:off x="0" y="465164"/>
+            <a:ext cx="9144000" cy="4213172"/>
           </a:xfrm>
           <a:prstGeom prst="rect">
             <a:avLst/>
@@ -10893,7 +11854,7 @@
     </p:spTree>
     <p:extLst>
       <p:ext uri="{BB962C8B-B14F-4D97-AF65-F5344CB8AC3E}">
-        <p14:creationId xmlns:p14="http://schemas.microsoft.com/office/powerpoint/2010/main" val="1892891475"/>
+        <p14:creationId xmlns:p14="http://schemas.microsoft.com/office/powerpoint/2010/main" val="4172440577"/>
       </p:ext>
     </p:extLst>
   </p:cSld>
@@ -11421,7 +12382,7 @@
         <p:spPr>
           <a:xfrm>
             <a:off x="623400" y="1440150"/>
-            <a:ext cx="8208900" cy="3354000"/>
+            <a:ext cx="3673537" cy="3228494"/>
           </a:xfrm>
           <a:prstGeom prst="rect">
             <a:avLst/>
@@ -11429,7 +12390,7 @@
         </p:spPr>
         <p:txBody>
           <a:bodyPr spcFirstLastPara="1" wrap="square" lIns="91425" tIns="91425" rIns="91425" bIns="91425" anchor="t" anchorCtr="0">
-            <a:normAutofit lnSpcReduction="10000"/>
+            <a:normAutofit fontScale="92500" lnSpcReduction="10000"/>
           </a:bodyPr>
           <a:lstStyle/>
           <a:p>
@@ -11448,7 +12409,7 @@
             </a:pPr>
             <a:r>
               <a:rPr lang="en-US" b="1" dirty="0"/>
-              <a:t>Independent (X) Variables Used in the Model</a:t>
+              <a:t>Variables Excluded:</a:t>
             </a:r>
           </a:p>
           <a:p>
@@ -11459,62 +12420,15 @@
             </a:pPr>
             <a:r>
               <a:rPr lang="en-US" dirty="0"/>
-              <a:t>Cursive and Bold related Features:</a:t>
+              <a:t>Age, Gender, and Grade were collected but </a:t>
             </a:r>
-          </a:p>
-          <a:p>
-            <a:pPr lvl="1">
-              <a:lnSpc>
-                <a:spcPct val="200000"/>
-              </a:lnSpc>
-            </a:pPr>
+            <a:r>
+              <a:rPr lang="en-US" b="1" dirty="0"/>
+              <a:t>excluded </a:t>
+            </a:r>
             <a:r>
               <a:rPr lang="en-US" dirty="0"/>
-              <a:t>Speed 				</a:t>
-            </a:r>
-          </a:p>
-          <a:p>
-            <a:pPr lvl="1">
-              <a:lnSpc>
-                <a:spcPct val="200000"/>
-              </a:lnSpc>
-            </a:pPr>
-            <a:r>
-              <a:rPr lang="en-US" dirty="0"/>
-              <a:t>Number of strokes</a:t>
-            </a:r>
-          </a:p>
-          <a:p>
-            <a:pPr lvl="1">
-              <a:lnSpc>
-                <a:spcPct val="200000"/>
-              </a:lnSpc>
-            </a:pPr>
-            <a:r>
-              <a:rPr lang="en-US" dirty="0"/>
-              <a:t>Mean pressure</a:t>
-            </a:r>
-          </a:p>
-          <a:p>
-            <a:pPr lvl="1">
-              <a:lnSpc>
-                <a:spcPct val="200000"/>
-              </a:lnSpc>
-            </a:pPr>
-            <a:r>
-              <a:rPr lang="en-US" dirty="0"/>
-              <a:t>Mean altitude</a:t>
-            </a:r>
-          </a:p>
-          <a:p>
-            <a:pPr lvl="1">
-              <a:lnSpc>
-                <a:spcPct val="200000"/>
-              </a:lnSpc>
-            </a:pPr>
-            <a:r>
-              <a:rPr lang="en-US" dirty="0"/>
-              <a:t>Modulus altitude</a:t>
+              <a:t>as they were deemed to introduce noise without adding predictive value.</a:t>
             </a:r>
           </a:p>
           <a:p>
@@ -11555,61 +12469,36 @@
           </a:p>
         </p:txBody>
       </p:sp>
-      <p:sp>
-        <p:nvSpPr>
-          <p:cNvPr id="2" name="TextBox 1">
+      <p:pic>
+        <p:nvPicPr>
+          <p:cNvPr id="4" name="Picture 3">
             <a:extLst>
               <a:ext uri="{FF2B5EF4-FFF2-40B4-BE49-F238E27FC236}">
-                <a16:creationId xmlns:a16="http://schemas.microsoft.com/office/drawing/2014/main" id="{C44C6E34-D635-A971-ED8E-41FAA11B90D9}"/>
+                <a16:creationId xmlns:a16="http://schemas.microsoft.com/office/drawing/2014/main" id="{44C8FC2C-E3CA-F2A1-BBE8-D9CED9094980}"/>
               </a:ext>
             </a:extLst>
           </p:cNvPr>
-          <p:cNvSpPr txBox="1"/>
+          <p:cNvPicPr>
+            <a:picLocks noChangeAspect="1"/>
+          </p:cNvPicPr>
           <p:nvPr/>
-        </p:nvSpPr>
+        </p:nvPicPr>
+        <p:blipFill>
+          <a:blip r:embed="rId4"/>
+          <a:stretch>
+            <a:fillRect/>
+          </a:stretch>
+        </p:blipFill>
         <p:spPr>
           <a:xfrm>
-            <a:off x="4572000" y="2571750"/>
-            <a:ext cx="3755136" cy="887231"/>
+            <a:off x="4244898" y="1590907"/>
+            <a:ext cx="4587403" cy="3145843"/>
           </a:xfrm>
           <a:prstGeom prst="rect">
             <a:avLst/>
           </a:prstGeom>
-          <a:noFill/>
         </p:spPr>
-        <p:txBody>
-          <a:bodyPr wrap="square" rtlCol="0">
-            <a:spAutoFit/>
-          </a:bodyPr>
-          <a:lstStyle/>
-          <a:p>
-            <a:pPr marL="285750" lvl="1" indent="-285750">
-              <a:lnSpc>
-                <a:spcPct val="200000"/>
-              </a:lnSpc>
-              <a:buFont typeface="Courier New" panose="02070309020205020404" pitchFamily="49" charset="0"/>
-              <a:buChar char="o"/>
-            </a:pPr>
-            <a:r>
-              <a:rPr lang="en-US" dirty="0"/>
-              <a:t>Mean azimuth</a:t>
-            </a:r>
-          </a:p>
-          <a:p>
-            <a:pPr marL="285750" lvl="1" indent="-285750">
-              <a:lnSpc>
-                <a:spcPct val="200000"/>
-              </a:lnSpc>
-              <a:buFont typeface="Courier New" panose="02070309020205020404" pitchFamily="49" charset="0"/>
-              <a:buChar char="o"/>
-            </a:pPr>
-            <a:r>
-              <a:rPr lang="en-US" dirty="0"/>
-              <a:t>Modulus azimuth</a:t>
-            </a:r>
-          </a:p>
-        </p:txBody>
-      </p:sp>
+      </p:pic>
     </p:spTree>
     <p:extLst>
       <p:ext uri="{BB962C8B-B14F-4D97-AF65-F5344CB8AC3E}">
@@ -11644,7 +12533,7 @@
         <p:cNvPr id="1" name="Shape 67">
           <a:extLst>
             <a:ext uri="{FF2B5EF4-FFF2-40B4-BE49-F238E27FC236}">
-              <a16:creationId xmlns:a16="http://schemas.microsoft.com/office/drawing/2014/main" id="{5768DD6F-ECF6-1A07-0E89-F66045E1C82F}"/>
+              <a16:creationId xmlns:a16="http://schemas.microsoft.com/office/drawing/2014/main" id="{1A46FB08-5201-83A9-F2A0-0ECD48773B74}"/>
             </a:ext>
           </a:extLst>
         </p:cNvPr>
@@ -11664,7 +12553,7 @@
           <p:cNvPr id="68" name="Google Shape;68;p14">
             <a:extLst>
               <a:ext uri="{FF2B5EF4-FFF2-40B4-BE49-F238E27FC236}">
-                <a16:creationId xmlns:a16="http://schemas.microsoft.com/office/drawing/2014/main" id="{D3C3282C-ED96-9978-299E-FAF7DFB89C22}"/>
+                <a16:creationId xmlns:a16="http://schemas.microsoft.com/office/drawing/2014/main" id="{C63A92FD-A1DA-6A2E-E9EC-AC3AE70ECBD5}"/>
               </a:ext>
             </a:extLst>
           </p:cNvPr>
@@ -11712,7 +12601,7 @@
           <p:cNvPr id="69" name="Google Shape;69;p14">
             <a:extLst>
               <a:ext uri="{FF2B5EF4-FFF2-40B4-BE49-F238E27FC236}">
-                <a16:creationId xmlns:a16="http://schemas.microsoft.com/office/drawing/2014/main" id="{1B7363F8-65E8-FA35-F612-37A9ED0C09A5}"/>
+                <a16:creationId xmlns:a16="http://schemas.microsoft.com/office/drawing/2014/main" id="{90212DE3-9403-6A65-3327-D146B0468E63}"/>
               </a:ext>
             </a:extLst>
           </p:cNvPr>
@@ -11734,7 +12623,7 @@
         </p:spPr>
         <p:txBody>
           <a:bodyPr spcFirstLastPara="1" wrap="square" lIns="91425" tIns="91425" rIns="91425" bIns="91425" anchor="t" anchorCtr="0">
-            <a:normAutofit/>
+            <a:normAutofit lnSpcReduction="10000"/>
           </a:bodyPr>
           <a:lstStyle/>
           <a:p>
@@ -11753,26 +12642,18 @@
             </a:pPr>
             <a:r>
               <a:rPr lang="en-US" b="1" dirty="0"/>
-              <a:t>Dependent (y) Variable (Target –y):</a:t>
+              <a:t>Independent (X) Variables Used in the Model</a:t>
             </a:r>
           </a:p>
           <a:p>
-            <a:pPr marL="114300" lvl="0" indent="0" algn="l" rtl="0">
-              <a:lnSpc>
-                <a:spcPct val="200000"/>
-              </a:lnSpc>
-              <a:spcBef>
-                <a:spcPts val="0"/>
-              </a:spcBef>
-              <a:spcAft>
-                <a:spcPts val="0"/>
-              </a:spcAft>
-              <a:buSzPts val="1800"/>
-              <a:buNone/>
+            <a:pPr>
+              <a:lnSpc>
+                <a:spcPct val="200000"/>
+              </a:lnSpc>
             </a:pPr>
             <a:r>
               <a:rPr lang="en-US" dirty="0"/>
-              <a:t>Emotion Label:</a:t>
+              <a:t>Cursive and Bold related Features:</a:t>
             </a:r>
           </a:p>
           <a:p>
@@ -11783,7 +12664,7 @@
             </a:pPr>
             <a:r>
               <a:rPr lang="en-US" dirty="0"/>
-              <a:t>Positive (1)</a:t>
+              <a:t>Speed 				</a:t>
             </a:r>
           </a:p>
           <a:p>
@@ -11794,10 +12675,43 @@
             </a:pPr>
             <a:r>
               <a:rPr lang="en-US" dirty="0"/>
-              <a:t>Negative (0)</a:t>
+              <a:t>Number of strokes</a:t>
             </a:r>
           </a:p>
           <a:p>
+            <a:pPr lvl="1">
+              <a:lnSpc>
+                <a:spcPct val="200000"/>
+              </a:lnSpc>
+            </a:pPr>
+            <a:r>
+              <a:rPr lang="en-US" dirty="0"/>
+              <a:t>Mean pressure</a:t>
+            </a:r>
+          </a:p>
+          <a:p>
+            <a:pPr lvl="1">
+              <a:lnSpc>
+                <a:spcPct val="200000"/>
+              </a:lnSpc>
+            </a:pPr>
+            <a:r>
+              <a:rPr lang="en-US" dirty="0"/>
+              <a:t>Mean altitude</a:t>
+            </a:r>
+          </a:p>
+          <a:p>
+            <a:pPr lvl="1">
+              <a:lnSpc>
+                <a:spcPct val="200000"/>
+              </a:lnSpc>
+            </a:pPr>
+            <a:r>
+              <a:rPr lang="en-US" dirty="0"/>
+              <a:t>Modulus altitude</a:t>
+            </a:r>
+          </a:p>
+          <a:p>
             <a:pPr marL="596900" lvl="1" indent="0">
               <a:lnSpc>
                 <a:spcPct val="200000"/>
@@ -11832,13 +12746,68 @@
               <a:buNone/>
             </a:pPr>
             <a:endParaRPr lang="en-US" dirty="0"/>
+          </a:p>
+        </p:txBody>
+      </p:sp>
+      <p:sp>
+        <p:nvSpPr>
+          <p:cNvPr id="2" name="TextBox 1">
+            <a:extLst>
+              <a:ext uri="{FF2B5EF4-FFF2-40B4-BE49-F238E27FC236}">
+                <a16:creationId xmlns:a16="http://schemas.microsoft.com/office/drawing/2014/main" id="{AE8E58FE-9973-D0D3-C95F-05C8DAC88949}"/>
+              </a:ext>
+            </a:extLst>
+          </p:cNvPr>
+          <p:cNvSpPr txBox="1"/>
+          <p:nvPr/>
+        </p:nvSpPr>
+        <p:spPr>
+          <a:xfrm>
+            <a:off x="4572000" y="2571750"/>
+            <a:ext cx="3755136" cy="887231"/>
+          </a:xfrm>
+          <a:prstGeom prst="rect">
+            <a:avLst/>
+          </a:prstGeom>
+          <a:noFill/>
+        </p:spPr>
+        <p:txBody>
+          <a:bodyPr wrap="square" rtlCol="0">
+            <a:spAutoFit/>
+          </a:bodyPr>
+          <a:lstStyle/>
+          <a:p>
+            <a:pPr marL="285750" lvl="1" indent="-285750">
+              <a:lnSpc>
+                <a:spcPct val="200000"/>
+              </a:lnSpc>
+              <a:buFont typeface="Courier New" panose="02070309020205020404" pitchFamily="49" charset="0"/>
+              <a:buChar char="o"/>
+            </a:pPr>
+            <a:r>
+              <a:rPr lang="en-US" dirty="0"/>
+              <a:t>Mean azimuth</a:t>
+            </a:r>
+          </a:p>
+          <a:p>
+            <a:pPr marL="285750" lvl="1" indent="-285750">
+              <a:lnSpc>
+                <a:spcPct val="200000"/>
+              </a:lnSpc>
+              <a:buFont typeface="Courier New" panose="02070309020205020404" pitchFamily="49" charset="0"/>
+              <a:buChar char="o"/>
+            </a:pPr>
+            <a:r>
+              <a:rPr lang="en-US" dirty="0"/>
+              <a:t>Modulus azimuth</a:t>
+            </a:r>
           </a:p>
         </p:txBody>
       </p:sp>
     </p:spTree>
     <p:extLst>
       <p:ext uri="{BB962C8B-B14F-4D97-AF65-F5344CB8AC3E}">
-        <p14:creationId xmlns:p14="http://schemas.microsoft.com/office/powerpoint/2010/main" val="1143585369"/>
+        <p14:creationId xmlns:p14="http://schemas.microsoft.com/office/powerpoint/2010/main" val="4035596239"/>
       </p:ext>
     </p:extLst>
   </p:cSld>

--- a/Project 4.1.pptx
+++ b/Project 4.1.pptx
@@ -5,7 +5,7 @@
     <p:sldMasterId id="2147483659" r:id="rId1"/>
   </p:sldMasterIdLst>
   <p:notesMasterIdLst>
-    <p:notesMasterId r:id="rId21"/>
+    <p:notesMasterId r:id="rId22"/>
   </p:notesMasterIdLst>
   <p:sldIdLst>
     <p:sldId id="256" r:id="rId2"/>
@@ -23,38 +23,39 @@
     <p:sldId id="276" r:id="rId14"/>
     <p:sldId id="277" r:id="rId15"/>
     <p:sldId id="278" r:id="rId16"/>
-    <p:sldId id="279" r:id="rId17"/>
-    <p:sldId id="280" r:id="rId18"/>
-    <p:sldId id="281" r:id="rId19"/>
-    <p:sldId id="285" r:id="rId20"/>
+    <p:sldId id="286" r:id="rId17"/>
+    <p:sldId id="279" r:id="rId18"/>
+    <p:sldId id="280" r:id="rId19"/>
+    <p:sldId id="281" r:id="rId20"/>
+    <p:sldId id="285" r:id="rId21"/>
   </p:sldIdLst>
   <p:sldSz cx="9144000" cy="5143500" type="screen16x9"/>
   <p:notesSz cx="6858000" cy="9144000"/>
   <p:embeddedFontLst>
     <p:embeddedFont>
       <p:font typeface="Economica" panose="020B0604020202020204" charset="0"/>
-      <p:regular r:id="rId22"/>
-      <p:bold r:id="rId23"/>
-      <p:italic r:id="rId24"/>
-      <p:boldItalic r:id="rId25"/>
+      <p:regular r:id="rId23"/>
+      <p:bold r:id="rId24"/>
+      <p:italic r:id="rId25"/>
+      <p:boldItalic r:id="rId26"/>
     </p:embeddedFont>
     <p:embeddedFont>
       <p:font typeface="Open Sans" panose="020B0606030504020204" pitchFamily="34" charset="0"/>
-      <p:regular r:id="rId26"/>
-      <p:bold r:id="rId27"/>
-      <p:italic r:id="rId28"/>
-      <p:boldItalic r:id="rId29"/>
+      <p:regular r:id="rId27"/>
+      <p:bold r:id="rId28"/>
+      <p:italic r:id="rId29"/>
+      <p:boldItalic r:id="rId30"/>
     </p:embeddedFont>
     <p:embeddedFont>
       <p:font typeface="Palace Script MT" panose="030303020206070C0B05" pitchFamily="66" charset="0"/>
-      <p:italic r:id="rId30"/>
+      <p:italic r:id="rId31"/>
     </p:embeddedFont>
     <p:embeddedFont>
       <p:font typeface="Playfair Display" panose="00000500000000000000" pitchFamily="2" charset="0"/>
-      <p:regular r:id="rId31"/>
-      <p:bold r:id="rId32"/>
-      <p:italic r:id="rId33"/>
-      <p:boldItalic r:id="rId34"/>
+      <p:regular r:id="rId32"/>
+      <p:bold r:id="rId33"/>
+      <p:italic r:id="rId34"/>
+      <p:boldItalic r:id="rId35"/>
     </p:embeddedFont>
   </p:embeddedFontLst>
   <p:defaultTextStyle>
@@ -1620,6 +1621,133 @@
         <p:cNvPr id="1" name="Shape 64">
           <a:extLst>
             <a:ext uri="{FF2B5EF4-FFF2-40B4-BE49-F238E27FC236}">
+              <a16:creationId xmlns:a16="http://schemas.microsoft.com/office/drawing/2014/main" id="{6344C72D-E9CF-D169-6FDB-495E526CB708}"/>
+            </a:ext>
+          </a:extLst>
+        </p:cNvPr>
+        <p:cNvGrpSpPr/>
+        <p:nvPr/>
+      </p:nvGrpSpPr>
+      <p:grpSpPr>
+        <a:xfrm>
+          <a:off x="0" y="0"/>
+          <a:ext cx="0" cy="0"/>
+          <a:chOff x="0" y="0"/>
+          <a:chExt cx="0" cy="0"/>
+        </a:xfrm>
+      </p:grpSpPr>
+      <p:sp>
+        <p:nvSpPr>
+          <p:cNvPr id="65" name="Google Shape;65;g30a5dabf7ec_0_53:notes">
+            <a:extLst>
+              <a:ext uri="{FF2B5EF4-FFF2-40B4-BE49-F238E27FC236}">
+                <a16:creationId xmlns:a16="http://schemas.microsoft.com/office/drawing/2014/main" id="{EA6FC950-D376-892E-918D-629B117EBE00}"/>
+              </a:ext>
+            </a:extLst>
+          </p:cNvPr>
+          <p:cNvSpPr>
+            <a:spLocks noGrp="1" noRot="1" noChangeAspect="1"/>
+          </p:cNvSpPr>
+          <p:nvPr>
+            <p:ph type="sldImg" idx="2"/>
+          </p:nvPr>
+        </p:nvSpPr>
+        <p:spPr>
+          <a:xfrm>
+            <a:off x="381000" y="685800"/>
+            <a:ext cx="6096000" cy="3429000"/>
+          </a:xfrm>
+          <a:custGeom>
+            <a:avLst/>
+            <a:gdLst/>
+            <a:ahLst/>
+            <a:cxnLst/>
+            <a:rect l="l" t="t" r="r" b="b"/>
+            <a:pathLst>
+              <a:path w="120000" h="120000" extrusionOk="0">
+                <a:moveTo>
+                  <a:pt x="0" y="0"/>
+                </a:moveTo>
+                <a:lnTo>
+                  <a:pt x="120000" y="0"/>
+                </a:lnTo>
+                <a:lnTo>
+                  <a:pt x="120000" y="120000"/>
+                </a:lnTo>
+                <a:lnTo>
+                  <a:pt x="0" y="120000"/>
+                </a:lnTo>
+                <a:close/>
+              </a:path>
+            </a:pathLst>
+          </a:custGeom>
+        </p:spPr>
+      </p:sp>
+      <p:sp>
+        <p:nvSpPr>
+          <p:cNvPr id="66" name="Google Shape;66;g30a5dabf7ec_0_53:notes">
+            <a:extLst>
+              <a:ext uri="{FF2B5EF4-FFF2-40B4-BE49-F238E27FC236}">
+                <a16:creationId xmlns:a16="http://schemas.microsoft.com/office/drawing/2014/main" id="{EE5D1048-C1EB-221B-343F-40BA6DD59FE3}"/>
+              </a:ext>
+            </a:extLst>
+          </p:cNvPr>
+          <p:cNvSpPr txBox="1">
+            <a:spLocks noGrp="1"/>
+          </p:cNvSpPr>
+          <p:nvPr>
+            <p:ph type="body" idx="1"/>
+          </p:nvPr>
+        </p:nvSpPr>
+        <p:spPr>
+          <a:xfrm>
+            <a:off x="685800" y="4343400"/>
+            <a:ext cx="5486400" cy="4114800"/>
+          </a:xfrm>
+          <a:prstGeom prst="rect">
+            <a:avLst/>
+          </a:prstGeom>
+        </p:spPr>
+        <p:txBody>
+          <a:bodyPr spcFirstLastPara="1" wrap="square" lIns="91425" tIns="91425" rIns="91425" bIns="91425" anchor="t" anchorCtr="0">
+            <a:noAutofit/>
+          </a:bodyPr>
+          <a:lstStyle/>
+          <a:p>
+            <a:pPr marL="0" lvl="0" indent="0" algn="l" rtl="0">
+              <a:spcBef>
+                <a:spcPts val="0"/>
+              </a:spcBef>
+              <a:spcAft>
+                <a:spcPts val="0"/>
+              </a:spcAft>
+              <a:buNone/>
+            </a:pPr>
+            <a:endParaRPr/>
+          </a:p>
+        </p:txBody>
+      </p:sp>
+    </p:spTree>
+    <p:extLst>
+      <p:ext uri="{BB962C8B-B14F-4D97-AF65-F5344CB8AC3E}">
+        <p14:creationId xmlns:p14="http://schemas.microsoft.com/office/powerpoint/2010/main" val="319141149"/>
+      </p:ext>
+    </p:extLst>
+  </p:cSld>
+  <p:clrMapOvr>
+    <a:masterClrMapping/>
+  </p:clrMapOvr>
+</p:notes>
+</file>
+
+<file path=ppt/notesSlides/notesSlide17.xml><?xml version="1.0" encoding="utf-8"?>
+<p:notes xmlns:a="http://schemas.openxmlformats.org/drawingml/2006/main" xmlns:r="http://schemas.openxmlformats.org/officeDocument/2006/relationships" xmlns:p="http://schemas.openxmlformats.org/presentationml/2006/main" showMasterSp="0" showMasterPhAnim="0">
+  <p:cSld>
+    <p:spTree>
+      <p:nvGrpSpPr>
+        <p:cNvPr id="1" name="Shape 64">
+          <a:extLst>
+            <a:ext uri="{FF2B5EF4-FFF2-40B4-BE49-F238E27FC236}">
               <a16:creationId xmlns:a16="http://schemas.microsoft.com/office/drawing/2014/main" id="{5401647A-4B9A-87AA-3B1D-DFBF95A717A5}"/>
             </a:ext>
           </a:extLst>
@@ -1739,7 +1867,7 @@
 </p:notes>
 </file>
 
-<file path=ppt/notesSlides/notesSlide17.xml><?xml version="1.0" encoding="utf-8"?>
+<file path=ppt/notesSlides/notesSlide18.xml><?xml version="1.0" encoding="utf-8"?>
 <p:notes xmlns:a="http://schemas.openxmlformats.org/drawingml/2006/main" xmlns:r="http://schemas.openxmlformats.org/officeDocument/2006/relationships" xmlns:p="http://schemas.openxmlformats.org/presentationml/2006/main" showMasterSp="0" showMasterPhAnim="0">
   <p:cSld>
     <p:spTree>
@@ -1866,7 +1994,7 @@
 </p:notes>
 </file>
 
-<file path=ppt/notesSlides/notesSlide18.xml><?xml version="1.0" encoding="utf-8"?>
+<file path=ppt/notesSlides/notesSlide19.xml><?xml version="1.0" encoding="utf-8"?>
 <p:notes xmlns:a="http://schemas.openxmlformats.org/drawingml/2006/main" xmlns:r="http://schemas.openxmlformats.org/officeDocument/2006/relationships" xmlns:p="http://schemas.openxmlformats.org/presentationml/2006/main" showMasterSp="0" showMasterPhAnim="0">
   <p:cSld>
     <p:spTree>
@@ -1984,133 +2112,6 @@
     <p:extLst>
       <p:ext uri="{BB962C8B-B14F-4D97-AF65-F5344CB8AC3E}">
         <p14:creationId xmlns:p14="http://schemas.microsoft.com/office/powerpoint/2010/main" val="3665497139"/>
-      </p:ext>
-    </p:extLst>
-  </p:cSld>
-  <p:clrMapOvr>
-    <a:masterClrMapping/>
-  </p:clrMapOvr>
-</p:notes>
-</file>
-
-<file path=ppt/notesSlides/notesSlide19.xml><?xml version="1.0" encoding="utf-8"?>
-<p:notes xmlns:a="http://schemas.openxmlformats.org/drawingml/2006/main" xmlns:r="http://schemas.openxmlformats.org/officeDocument/2006/relationships" xmlns:p="http://schemas.openxmlformats.org/presentationml/2006/main" showMasterSp="0" showMasterPhAnim="0">
-  <p:cSld>
-    <p:spTree>
-      <p:nvGrpSpPr>
-        <p:cNvPr id="1" name="Shape 64">
-          <a:extLst>
-            <a:ext uri="{FF2B5EF4-FFF2-40B4-BE49-F238E27FC236}">
-              <a16:creationId xmlns:a16="http://schemas.microsoft.com/office/drawing/2014/main" id="{9071C38B-F171-1310-9882-404AE0DED424}"/>
-            </a:ext>
-          </a:extLst>
-        </p:cNvPr>
-        <p:cNvGrpSpPr/>
-        <p:nvPr/>
-      </p:nvGrpSpPr>
-      <p:grpSpPr>
-        <a:xfrm>
-          <a:off x="0" y="0"/>
-          <a:ext cx="0" cy="0"/>
-          <a:chOff x="0" y="0"/>
-          <a:chExt cx="0" cy="0"/>
-        </a:xfrm>
-      </p:grpSpPr>
-      <p:sp>
-        <p:nvSpPr>
-          <p:cNvPr id="65" name="Google Shape;65;g30a5dabf7ec_0_53:notes">
-            <a:extLst>
-              <a:ext uri="{FF2B5EF4-FFF2-40B4-BE49-F238E27FC236}">
-                <a16:creationId xmlns:a16="http://schemas.microsoft.com/office/drawing/2014/main" id="{868473C4-7DA5-69FC-EFC8-C6FFD9C5B49F}"/>
-              </a:ext>
-            </a:extLst>
-          </p:cNvPr>
-          <p:cNvSpPr>
-            <a:spLocks noGrp="1" noRot="1" noChangeAspect="1"/>
-          </p:cNvSpPr>
-          <p:nvPr>
-            <p:ph type="sldImg" idx="2"/>
-          </p:nvPr>
-        </p:nvSpPr>
-        <p:spPr>
-          <a:xfrm>
-            <a:off x="381000" y="685800"/>
-            <a:ext cx="6096000" cy="3429000"/>
-          </a:xfrm>
-          <a:custGeom>
-            <a:avLst/>
-            <a:gdLst/>
-            <a:ahLst/>
-            <a:cxnLst/>
-            <a:rect l="l" t="t" r="r" b="b"/>
-            <a:pathLst>
-              <a:path w="120000" h="120000" extrusionOk="0">
-                <a:moveTo>
-                  <a:pt x="0" y="0"/>
-                </a:moveTo>
-                <a:lnTo>
-                  <a:pt x="120000" y="0"/>
-                </a:lnTo>
-                <a:lnTo>
-                  <a:pt x="120000" y="120000"/>
-                </a:lnTo>
-                <a:lnTo>
-                  <a:pt x="0" y="120000"/>
-                </a:lnTo>
-                <a:close/>
-              </a:path>
-            </a:pathLst>
-          </a:custGeom>
-        </p:spPr>
-      </p:sp>
-      <p:sp>
-        <p:nvSpPr>
-          <p:cNvPr id="66" name="Google Shape;66;g30a5dabf7ec_0_53:notes">
-            <a:extLst>
-              <a:ext uri="{FF2B5EF4-FFF2-40B4-BE49-F238E27FC236}">
-                <a16:creationId xmlns:a16="http://schemas.microsoft.com/office/drawing/2014/main" id="{FA3E55D3-FE65-93A2-4244-B3F2F95A20F5}"/>
-              </a:ext>
-            </a:extLst>
-          </p:cNvPr>
-          <p:cNvSpPr txBox="1">
-            <a:spLocks noGrp="1"/>
-          </p:cNvSpPr>
-          <p:nvPr>
-            <p:ph type="body" idx="1"/>
-          </p:nvPr>
-        </p:nvSpPr>
-        <p:spPr>
-          <a:xfrm>
-            <a:off x="685800" y="4343400"/>
-            <a:ext cx="5486400" cy="4114800"/>
-          </a:xfrm>
-          <a:prstGeom prst="rect">
-            <a:avLst/>
-          </a:prstGeom>
-        </p:spPr>
-        <p:txBody>
-          <a:bodyPr spcFirstLastPara="1" wrap="square" lIns="91425" tIns="91425" rIns="91425" bIns="91425" anchor="t" anchorCtr="0">
-            <a:noAutofit/>
-          </a:bodyPr>
-          <a:lstStyle/>
-          <a:p>
-            <a:pPr marL="0" lvl="0" indent="0" algn="l" rtl="0">
-              <a:spcBef>
-                <a:spcPts val="0"/>
-              </a:spcBef>
-              <a:spcAft>
-                <a:spcPts val="0"/>
-              </a:spcAft>
-              <a:buNone/>
-            </a:pPr>
-            <a:endParaRPr/>
-          </a:p>
-        </p:txBody>
-      </p:sp>
-    </p:spTree>
-    <p:extLst>
-      <p:ext uri="{BB962C8B-B14F-4D97-AF65-F5344CB8AC3E}">
-        <p14:creationId xmlns:p14="http://schemas.microsoft.com/office/powerpoint/2010/main" val="3111905010"/>
       </p:ext>
     </p:extLst>
   </p:cSld>
@@ -2238,6 +2239,133 @@
     <p:extLst>
       <p:ext uri="{BB962C8B-B14F-4D97-AF65-F5344CB8AC3E}">
         <p14:creationId xmlns:p14="http://schemas.microsoft.com/office/powerpoint/2010/main" val="3189112477"/>
+      </p:ext>
+    </p:extLst>
+  </p:cSld>
+  <p:clrMapOvr>
+    <a:masterClrMapping/>
+  </p:clrMapOvr>
+</p:notes>
+</file>
+
+<file path=ppt/notesSlides/notesSlide20.xml><?xml version="1.0" encoding="utf-8"?>
+<p:notes xmlns:a="http://schemas.openxmlformats.org/drawingml/2006/main" xmlns:r="http://schemas.openxmlformats.org/officeDocument/2006/relationships" xmlns:p="http://schemas.openxmlformats.org/presentationml/2006/main" showMasterSp="0" showMasterPhAnim="0">
+  <p:cSld>
+    <p:spTree>
+      <p:nvGrpSpPr>
+        <p:cNvPr id="1" name="Shape 64">
+          <a:extLst>
+            <a:ext uri="{FF2B5EF4-FFF2-40B4-BE49-F238E27FC236}">
+              <a16:creationId xmlns:a16="http://schemas.microsoft.com/office/drawing/2014/main" id="{9071C38B-F171-1310-9882-404AE0DED424}"/>
+            </a:ext>
+          </a:extLst>
+        </p:cNvPr>
+        <p:cNvGrpSpPr/>
+        <p:nvPr/>
+      </p:nvGrpSpPr>
+      <p:grpSpPr>
+        <a:xfrm>
+          <a:off x="0" y="0"/>
+          <a:ext cx="0" cy="0"/>
+          <a:chOff x="0" y="0"/>
+          <a:chExt cx="0" cy="0"/>
+        </a:xfrm>
+      </p:grpSpPr>
+      <p:sp>
+        <p:nvSpPr>
+          <p:cNvPr id="65" name="Google Shape;65;g30a5dabf7ec_0_53:notes">
+            <a:extLst>
+              <a:ext uri="{FF2B5EF4-FFF2-40B4-BE49-F238E27FC236}">
+                <a16:creationId xmlns:a16="http://schemas.microsoft.com/office/drawing/2014/main" id="{868473C4-7DA5-69FC-EFC8-C6FFD9C5B49F}"/>
+              </a:ext>
+            </a:extLst>
+          </p:cNvPr>
+          <p:cNvSpPr>
+            <a:spLocks noGrp="1" noRot="1" noChangeAspect="1"/>
+          </p:cNvSpPr>
+          <p:nvPr>
+            <p:ph type="sldImg" idx="2"/>
+          </p:nvPr>
+        </p:nvSpPr>
+        <p:spPr>
+          <a:xfrm>
+            <a:off x="381000" y="685800"/>
+            <a:ext cx="6096000" cy="3429000"/>
+          </a:xfrm>
+          <a:custGeom>
+            <a:avLst/>
+            <a:gdLst/>
+            <a:ahLst/>
+            <a:cxnLst/>
+            <a:rect l="l" t="t" r="r" b="b"/>
+            <a:pathLst>
+              <a:path w="120000" h="120000" extrusionOk="0">
+                <a:moveTo>
+                  <a:pt x="0" y="0"/>
+                </a:moveTo>
+                <a:lnTo>
+                  <a:pt x="120000" y="0"/>
+                </a:lnTo>
+                <a:lnTo>
+                  <a:pt x="120000" y="120000"/>
+                </a:lnTo>
+                <a:lnTo>
+                  <a:pt x="0" y="120000"/>
+                </a:lnTo>
+                <a:close/>
+              </a:path>
+            </a:pathLst>
+          </a:custGeom>
+        </p:spPr>
+      </p:sp>
+      <p:sp>
+        <p:nvSpPr>
+          <p:cNvPr id="66" name="Google Shape;66;g30a5dabf7ec_0_53:notes">
+            <a:extLst>
+              <a:ext uri="{FF2B5EF4-FFF2-40B4-BE49-F238E27FC236}">
+                <a16:creationId xmlns:a16="http://schemas.microsoft.com/office/drawing/2014/main" id="{FA3E55D3-FE65-93A2-4244-B3F2F95A20F5}"/>
+              </a:ext>
+            </a:extLst>
+          </p:cNvPr>
+          <p:cNvSpPr txBox="1">
+            <a:spLocks noGrp="1"/>
+          </p:cNvSpPr>
+          <p:nvPr>
+            <p:ph type="body" idx="1"/>
+          </p:nvPr>
+        </p:nvSpPr>
+        <p:spPr>
+          <a:xfrm>
+            <a:off x="685800" y="4343400"/>
+            <a:ext cx="5486400" cy="4114800"/>
+          </a:xfrm>
+          <a:prstGeom prst="rect">
+            <a:avLst/>
+          </a:prstGeom>
+        </p:spPr>
+        <p:txBody>
+          <a:bodyPr spcFirstLastPara="1" wrap="square" lIns="91425" tIns="91425" rIns="91425" bIns="91425" anchor="t" anchorCtr="0">
+            <a:noAutofit/>
+          </a:bodyPr>
+          <a:lstStyle/>
+          <a:p>
+            <a:pPr marL="0" lvl="0" indent="0" algn="l" rtl="0">
+              <a:spcBef>
+                <a:spcPts val="0"/>
+              </a:spcBef>
+              <a:spcAft>
+                <a:spcPts val="0"/>
+              </a:spcAft>
+              <a:buNone/>
+            </a:pPr>
+            <a:endParaRPr/>
+          </a:p>
+        </p:txBody>
+      </p:sp>
+    </p:spTree>
+    <p:extLst>
+      <p:ext uri="{BB962C8B-B14F-4D97-AF65-F5344CB8AC3E}">
+        <p14:creationId xmlns:p14="http://schemas.microsoft.com/office/powerpoint/2010/main" val="3111905010"/>
       </p:ext>
     </p:extLst>
   </p:cSld>
@@ -10349,6 +10477,310 @@
         <p:cNvPr id="1" name="Shape 67">
           <a:extLst>
             <a:ext uri="{FF2B5EF4-FFF2-40B4-BE49-F238E27FC236}">
+              <a16:creationId xmlns:a16="http://schemas.microsoft.com/office/drawing/2014/main" id="{F786179E-8D74-7F81-AB28-C5E3C58DA161}"/>
+            </a:ext>
+          </a:extLst>
+        </p:cNvPr>
+        <p:cNvGrpSpPr/>
+        <p:nvPr/>
+      </p:nvGrpSpPr>
+      <p:grpSpPr>
+        <a:xfrm>
+          <a:off x="0" y="0"/>
+          <a:ext cx="0" cy="0"/>
+          <a:chOff x="0" y="0"/>
+          <a:chExt cx="0" cy="0"/>
+        </a:xfrm>
+      </p:grpSpPr>
+      <p:sp>
+        <p:nvSpPr>
+          <p:cNvPr id="68" name="Google Shape;68;p14">
+            <a:extLst>
+              <a:ext uri="{FF2B5EF4-FFF2-40B4-BE49-F238E27FC236}">
+                <a16:creationId xmlns:a16="http://schemas.microsoft.com/office/drawing/2014/main" id="{FE41A5FC-EA60-985D-5100-C8102297CF54}"/>
+              </a:ext>
+            </a:extLst>
+          </p:cNvPr>
+          <p:cNvSpPr txBox="1">
+            <a:spLocks noGrp="1"/>
+          </p:cNvSpPr>
+          <p:nvPr>
+            <p:ph type="title"/>
+          </p:nvPr>
+        </p:nvSpPr>
+        <p:spPr>
+          <a:xfrm>
+            <a:off x="311700" y="315925"/>
+            <a:ext cx="8520600" cy="831300"/>
+          </a:xfrm>
+          <a:prstGeom prst="rect">
+            <a:avLst/>
+          </a:prstGeom>
+        </p:spPr>
+        <p:txBody>
+          <a:bodyPr spcFirstLastPara="1" wrap="square" lIns="91425" tIns="91425" rIns="91425" bIns="91425" anchor="b" anchorCtr="0">
+            <a:normAutofit/>
+          </a:bodyPr>
+          <a:lstStyle/>
+          <a:p>
+            <a:pPr marL="0" lvl="0" indent="0" algn="l" rtl="0">
+              <a:spcBef>
+                <a:spcPts val="0"/>
+              </a:spcBef>
+              <a:spcAft>
+                <a:spcPts val="0"/>
+              </a:spcAft>
+              <a:buNone/>
+            </a:pPr>
+            <a:r>
+              <a:rPr lang="en" b="1" dirty="0"/>
+              <a:t>Testing</a:t>
+            </a:r>
+            <a:endParaRPr b="1" dirty="0"/>
+          </a:p>
+        </p:txBody>
+      </p:sp>
+      <p:sp>
+        <p:nvSpPr>
+          <p:cNvPr id="69" name="Google Shape;69;p14">
+            <a:extLst>
+              <a:ext uri="{FF2B5EF4-FFF2-40B4-BE49-F238E27FC236}">
+                <a16:creationId xmlns:a16="http://schemas.microsoft.com/office/drawing/2014/main" id="{F5338397-4224-457F-D23C-69B5E6FDB90D}"/>
+              </a:ext>
+            </a:extLst>
+          </p:cNvPr>
+          <p:cNvSpPr txBox="1">
+            <a:spLocks noGrp="1"/>
+          </p:cNvSpPr>
+          <p:nvPr>
+            <p:ph type="body" idx="1"/>
+          </p:nvPr>
+        </p:nvSpPr>
+        <p:spPr>
+          <a:xfrm>
+            <a:off x="623400" y="1440150"/>
+            <a:ext cx="4558199" cy="3539575"/>
+          </a:xfrm>
+          <a:prstGeom prst="rect">
+            <a:avLst/>
+          </a:prstGeom>
+        </p:spPr>
+        <p:txBody>
+          <a:bodyPr spcFirstLastPara="1" wrap="square" lIns="91425" tIns="91425" rIns="91425" bIns="91425" anchor="t" anchorCtr="0">
+            <a:normAutofit/>
+          </a:bodyPr>
+          <a:lstStyle/>
+          <a:p>
+            <a:pPr marL="596900" lvl="1" indent="0">
+              <a:lnSpc>
+                <a:spcPct val="200000"/>
+              </a:lnSpc>
+              <a:buNone/>
+            </a:pPr>
+            <a:endParaRPr lang="en-US" dirty="0"/>
+          </a:p>
+          <a:p>
+            <a:pPr marL="596900" lvl="1" indent="0">
+              <a:lnSpc>
+                <a:spcPct val="200000"/>
+              </a:lnSpc>
+              <a:buNone/>
+            </a:pPr>
+            <a:endParaRPr lang="en-US" dirty="0"/>
+          </a:p>
+          <a:p>
+            <a:pPr marL="114300" indent="0">
+              <a:lnSpc>
+                <a:spcPct val="200000"/>
+              </a:lnSpc>
+              <a:buNone/>
+            </a:pPr>
+            <a:endParaRPr lang="en-US" dirty="0"/>
+          </a:p>
+          <a:p>
+            <a:pPr marL="114300" indent="0">
+              <a:lnSpc>
+                <a:spcPct val="200000"/>
+              </a:lnSpc>
+              <a:buNone/>
+            </a:pPr>
+            <a:endParaRPr lang="en-US" dirty="0"/>
+          </a:p>
+          <a:p>
+            <a:pPr marL="114300" indent="0">
+              <a:lnSpc>
+                <a:spcPct val="200000"/>
+              </a:lnSpc>
+              <a:buNone/>
+            </a:pPr>
+            <a:endParaRPr lang="en-US" dirty="0"/>
+          </a:p>
+        </p:txBody>
+      </p:sp>
+      <p:pic>
+        <p:nvPicPr>
+          <p:cNvPr id="6" name="Picture 5" descr="A screenshot of a computer&#10;&#10;Description automatically generated">
+            <a:extLst>
+              <a:ext uri="{FF2B5EF4-FFF2-40B4-BE49-F238E27FC236}">
+                <a16:creationId xmlns:a16="http://schemas.microsoft.com/office/drawing/2014/main" id="{781E8299-4C2F-1479-5EDF-5C17602B3079}"/>
+              </a:ext>
+            </a:extLst>
+          </p:cNvPr>
+          <p:cNvPicPr>
+            <a:picLocks noChangeAspect="1"/>
+          </p:cNvPicPr>
+          <p:nvPr/>
+        </p:nvPicPr>
+        <p:blipFill>
+          <a:blip r:embed="rId4"/>
+          <a:stretch>
+            <a:fillRect/>
+          </a:stretch>
+        </p:blipFill>
+        <p:spPr>
+          <a:xfrm>
+            <a:off x="3837481" y="1042293"/>
+            <a:ext cx="5116187" cy="3342329"/>
+          </a:xfrm>
+          <a:prstGeom prst="rect">
+            <a:avLst/>
+          </a:prstGeom>
+        </p:spPr>
+      </p:pic>
+      <p:pic>
+        <p:nvPicPr>
+          <p:cNvPr id="8" name="Picture 7" descr="A screenshot of a computer&#10;&#10;Description automatically generated">
+            <a:extLst>
+              <a:ext uri="{FF2B5EF4-FFF2-40B4-BE49-F238E27FC236}">
+                <a16:creationId xmlns:a16="http://schemas.microsoft.com/office/drawing/2014/main" id="{53691A6F-FFAC-A9AF-81BE-4FF5A290F6F7}"/>
+              </a:ext>
+            </a:extLst>
+          </p:cNvPr>
+          <p:cNvPicPr>
+            <a:picLocks noChangeAspect="1"/>
+          </p:cNvPicPr>
+          <p:nvPr/>
+        </p:nvPicPr>
+        <p:blipFill>
+          <a:blip r:embed="rId5"/>
+          <a:stretch>
+            <a:fillRect/>
+          </a:stretch>
+        </p:blipFill>
+        <p:spPr>
+          <a:xfrm>
+            <a:off x="427150" y="1310484"/>
+            <a:ext cx="2980090" cy="2999188"/>
+          </a:xfrm>
+          <a:prstGeom prst="rect">
+            <a:avLst/>
+          </a:prstGeom>
+        </p:spPr>
+      </p:pic>
+      <p:sp>
+        <p:nvSpPr>
+          <p:cNvPr id="9" name="TextBox 8">
+            <a:extLst>
+              <a:ext uri="{FF2B5EF4-FFF2-40B4-BE49-F238E27FC236}">
+                <a16:creationId xmlns:a16="http://schemas.microsoft.com/office/drawing/2014/main" id="{A9A62A6A-4C90-65D3-DEDA-1E088E9D2641}"/>
+              </a:ext>
+            </a:extLst>
+          </p:cNvPr>
+          <p:cNvSpPr txBox="1"/>
+          <p:nvPr/>
+        </p:nvSpPr>
+        <p:spPr>
+          <a:xfrm>
+            <a:off x="1184387" y="4518276"/>
+            <a:ext cx="1104790" cy="307777"/>
+          </a:xfrm>
+          <a:prstGeom prst="rect">
+            <a:avLst/>
+          </a:prstGeom>
+          <a:noFill/>
+        </p:spPr>
+        <p:txBody>
+          <a:bodyPr wrap="none" rtlCol="0">
+            <a:spAutoFit/>
+          </a:bodyPr>
+          <a:lstStyle/>
+          <a:p>
+            <a:r>
+              <a:rPr lang="en-CA" dirty="0"/>
+              <a:t>BACK END</a:t>
+            </a:r>
+          </a:p>
+        </p:txBody>
+      </p:sp>
+      <p:sp>
+        <p:nvSpPr>
+          <p:cNvPr id="10" name="TextBox 9">
+            <a:extLst>
+              <a:ext uri="{FF2B5EF4-FFF2-40B4-BE49-F238E27FC236}">
+                <a16:creationId xmlns:a16="http://schemas.microsoft.com/office/drawing/2014/main" id="{BEC542E2-D247-EB53-8B7A-8CF68D38DCF8}"/>
+              </a:ext>
+            </a:extLst>
+          </p:cNvPr>
+          <p:cNvSpPr txBox="1"/>
+          <p:nvPr/>
+        </p:nvSpPr>
+        <p:spPr>
+          <a:xfrm>
+            <a:off x="5793694" y="4518276"/>
+            <a:ext cx="1231427" cy="307777"/>
+          </a:xfrm>
+          <a:prstGeom prst="rect">
+            <a:avLst/>
+          </a:prstGeom>
+          <a:noFill/>
+        </p:spPr>
+        <p:txBody>
+          <a:bodyPr wrap="none" rtlCol="0">
+            <a:spAutoFit/>
+          </a:bodyPr>
+          <a:lstStyle/>
+          <a:p>
+            <a:r>
+              <a:rPr lang="en-CA" dirty="0"/>
+              <a:t>FRONT END</a:t>
+            </a:r>
+          </a:p>
+        </p:txBody>
+      </p:sp>
+    </p:spTree>
+    <p:extLst>
+      <p:ext uri="{BB962C8B-B14F-4D97-AF65-F5344CB8AC3E}">
+        <p14:creationId xmlns:p14="http://schemas.microsoft.com/office/powerpoint/2010/main" val="2598240287"/>
+      </p:ext>
+    </p:extLst>
+  </p:cSld>
+  <p:clrMapOvr>
+    <a:masterClrMapping/>
+  </p:clrMapOvr>
+</p:sld>
+</file>
+
+<file path=ppt/slides/slide17.xml><?xml version="1.0" encoding="utf-8"?>
+<p:sld xmlns:a="http://schemas.openxmlformats.org/drawingml/2006/main" xmlns:r="http://schemas.openxmlformats.org/officeDocument/2006/relationships" xmlns:p="http://schemas.openxmlformats.org/presentationml/2006/main" showMasterSp="0">
+  <p:cSld>
+    <p:bg>
+      <p:bgPr>
+        <a:blipFill dpi="0" rotWithShape="1">
+          <a:blip r:embed="rId3">
+            <a:alphaModFix amt="52000"/>
+            <a:lum/>
+          </a:blip>
+          <a:srcRect/>
+          <a:tile tx="0" ty="0" sx="100000" sy="100000" flip="none" algn="tl"/>
+        </a:blipFill>
+        <a:effectLst/>
+      </p:bgPr>
+    </p:bg>
+    <p:spTree>
+      <p:nvGrpSpPr>
+        <p:cNvPr id="1" name="Shape 67">
+          <a:extLst>
+            <a:ext uri="{FF2B5EF4-FFF2-40B4-BE49-F238E27FC236}">
               <a16:creationId xmlns:a16="http://schemas.microsoft.com/office/drawing/2014/main" id="{DF8EE6A8-1692-CFF0-36B8-28A1E575E4D5}"/>
             </a:ext>
           </a:extLst>
@@ -10579,7 +11011,7 @@
 </p:sld>
 </file>
 
-<file path=ppt/slides/slide17.xml><?xml version="1.0" encoding="utf-8"?>
+<file path=ppt/slides/slide18.xml><?xml version="1.0" encoding="utf-8"?>
 <p:sld xmlns:a="http://schemas.openxmlformats.org/drawingml/2006/main" xmlns:r="http://schemas.openxmlformats.org/officeDocument/2006/relationships" xmlns:p="http://schemas.openxmlformats.org/presentationml/2006/main" showMasterSp="0">
   <p:cSld>
     <p:bg>
@@ -10846,7 +11278,7 @@
 </p:sld>
 </file>
 
-<file path=ppt/slides/slide18.xml><?xml version="1.0" encoding="utf-8"?>
+<file path=ppt/slides/slide19.xml><?xml version="1.0" encoding="utf-8"?>
 <p:sld xmlns:a="http://schemas.openxmlformats.org/drawingml/2006/main" xmlns:r="http://schemas.openxmlformats.org/officeDocument/2006/relationships" xmlns:p="http://schemas.openxmlformats.org/presentationml/2006/main" showMasterSp="0">
   <p:cSld>
     <p:bg>
@@ -11104,141 +11536,6 @@
     <p:extLst>
       <p:ext uri="{BB962C8B-B14F-4D97-AF65-F5344CB8AC3E}">
         <p14:creationId xmlns:p14="http://schemas.microsoft.com/office/powerpoint/2010/main" val="3935824877"/>
-      </p:ext>
-    </p:extLst>
-  </p:cSld>
-  <p:clrMapOvr>
-    <a:masterClrMapping/>
-  </p:clrMapOvr>
-</p:sld>
-</file>
-
-<file path=ppt/slides/slide19.xml><?xml version="1.0" encoding="utf-8"?>
-<p:sld xmlns:a="http://schemas.openxmlformats.org/drawingml/2006/main" xmlns:r="http://schemas.openxmlformats.org/officeDocument/2006/relationships" xmlns:p="http://schemas.openxmlformats.org/presentationml/2006/main" showMasterSp="0">
-  <p:cSld>
-    <p:bg>
-      <p:bgPr>
-        <a:blipFill dpi="0" rotWithShape="1">
-          <a:blip r:embed="rId3">
-            <a:alphaModFix amt="52000"/>
-            <a:lum/>
-          </a:blip>
-          <a:srcRect/>
-          <a:tile tx="0" ty="0" sx="100000" sy="100000" flip="none" algn="tl"/>
-        </a:blipFill>
-        <a:effectLst/>
-      </p:bgPr>
-    </p:bg>
-    <p:spTree>
-      <p:nvGrpSpPr>
-        <p:cNvPr id="1" name="Shape 67">
-          <a:extLst>
-            <a:ext uri="{FF2B5EF4-FFF2-40B4-BE49-F238E27FC236}">
-              <a16:creationId xmlns:a16="http://schemas.microsoft.com/office/drawing/2014/main" id="{FE3468BB-40D1-D347-D05C-FAFF57D54BF7}"/>
-            </a:ext>
-          </a:extLst>
-        </p:cNvPr>
-        <p:cNvGrpSpPr/>
-        <p:nvPr/>
-      </p:nvGrpSpPr>
-      <p:grpSpPr>
-        <a:xfrm>
-          <a:off x="0" y="0"/>
-          <a:ext cx="0" cy="0"/>
-          <a:chOff x="0" y="0"/>
-          <a:chExt cx="0" cy="0"/>
-        </a:xfrm>
-      </p:grpSpPr>
-      <p:sp>
-        <p:nvSpPr>
-          <p:cNvPr id="3" name="Title 2">
-            <a:extLst>
-              <a:ext uri="{FF2B5EF4-FFF2-40B4-BE49-F238E27FC236}">
-                <a16:creationId xmlns:a16="http://schemas.microsoft.com/office/drawing/2014/main" id="{8CC12B0D-F9B6-1AFF-5C8B-E5B4FC3F4C25}"/>
-              </a:ext>
-            </a:extLst>
-          </p:cNvPr>
-          <p:cNvSpPr>
-            <a:spLocks noGrp="1"/>
-          </p:cNvSpPr>
-          <p:nvPr>
-            <p:ph type="title"/>
-          </p:nvPr>
-        </p:nvSpPr>
-        <p:spPr>
-          <a:xfrm>
-            <a:off x="311700" y="1631768"/>
-            <a:ext cx="8520600" cy="1208075"/>
-          </a:xfrm>
-        </p:spPr>
-        <p:txBody>
-          <a:bodyPr>
-            <a:noAutofit/>
-          </a:bodyPr>
-          <a:lstStyle/>
-          <a:p>
-            <a:pPr algn="ctr"/>
-            <a:r>
-              <a:rPr lang="en-CA" sz="8000" b="1" dirty="0">
-                <a:latin typeface="Palace Script MT" panose="030303020206070C0B05" pitchFamily="66" charset="0"/>
-                <a:cs typeface="Dreaming Outloud Script Pro" panose="020F0502020204030204" pitchFamily="66" charset="0"/>
-              </a:rPr>
-              <a:t>THANK  YOU</a:t>
-            </a:r>
-          </a:p>
-        </p:txBody>
-      </p:sp>
-      <p:sp>
-        <p:nvSpPr>
-          <p:cNvPr id="6" name="TextBox 5">
-            <a:extLst>
-              <a:ext uri="{FF2B5EF4-FFF2-40B4-BE49-F238E27FC236}">
-                <a16:creationId xmlns:a16="http://schemas.microsoft.com/office/drawing/2014/main" id="{7598AABF-5B1F-C670-6E1C-0C2DCDF2A5C6}"/>
-              </a:ext>
-            </a:extLst>
-          </p:cNvPr>
-          <p:cNvSpPr txBox="1"/>
-          <p:nvPr/>
-        </p:nvSpPr>
-        <p:spPr>
-          <a:xfrm>
-            <a:off x="3352799" y="3159513"/>
-            <a:ext cx="5400837" cy="523220"/>
-          </a:xfrm>
-          <a:prstGeom prst="rect">
-            <a:avLst/>
-          </a:prstGeom>
-          <a:noFill/>
-        </p:spPr>
-        <p:txBody>
-          <a:bodyPr wrap="none" rtlCol="0">
-            <a:spAutoFit/>
-          </a:bodyPr>
-          <a:lstStyle/>
-          <a:p>
-            <a:r>
-              <a:rPr lang="en-US" b="1" dirty="0"/>
-              <a:t>"The art of writing is the art of discovering what you believe."</a:t>
-            </a:r>
-            <a:br>
-              <a:rPr lang="en-US" dirty="0"/>
-            </a:br>
-            <a:r>
-              <a:rPr lang="en-US" dirty="0"/>
-              <a:t>— </a:t>
-            </a:r>
-            <a:r>
-              <a:rPr lang="en-US" b="1" dirty="0"/>
-              <a:t>Gustave Flaubert</a:t>
-            </a:r>
-            <a:endParaRPr lang="en-CA" dirty="0"/>
-          </a:p>
-        </p:txBody>
-      </p:sp>
-    </p:spTree>
-    <p:extLst>
-      <p:ext uri="{BB962C8B-B14F-4D97-AF65-F5344CB8AC3E}">
-        <p14:creationId xmlns:p14="http://schemas.microsoft.com/office/powerpoint/2010/main" val="4051861586"/>
       </p:ext>
     </p:extLst>
   </p:cSld>
@@ -11418,6 +11715,141 @@
     <p:extLst>
       <p:ext uri="{BB962C8B-B14F-4D97-AF65-F5344CB8AC3E}">
         <p14:creationId xmlns:p14="http://schemas.microsoft.com/office/powerpoint/2010/main" val="3004088172"/>
+      </p:ext>
+    </p:extLst>
+  </p:cSld>
+  <p:clrMapOvr>
+    <a:masterClrMapping/>
+  </p:clrMapOvr>
+</p:sld>
+</file>
+
+<file path=ppt/slides/slide20.xml><?xml version="1.0" encoding="utf-8"?>
+<p:sld xmlns:a="http://schemas.openxmlformats.org/drawingml/2006/main" xmlns:r="http://schemas.openxmlformats.org/officeDocument/2006/relationships" xmlns:p="http://schemas.openxmlformats.org/presentationml/2006/main" showMasterSp="0">
+  <p:cSld>
+    <p:bg>
+      <p:bgPr>
+        <a:blipFill dpi="0" rotWithShape="1">
+          <a:blip r:embed="rId3">
+            <a:alphaModFix amt="52000"/>
+            <a:lum/>
+          </a:blip>
+          <a:srcRect/>
+          <a:tile tx="0" ty="0" sx="100000" sy="100000" flip="none" algn="tl"/>
+        </a:blipFill>
+        <a:effectLst/>
+      </p:bgPr>
+    </p:bg>
+    <p:spTree>
+      <p:nvGrpSpPr>
+        <p:cNvPr id="1" name="Shape 67">
+          <a:extLst>
+            <a:ext uri="{FF2B5EF4-FFF2-40B4-BE49-F238E27FC236}">
+              <a16:creationId xmlns:a16="http://schemas.microsoft.com/office/drawing/2014/main" id="{FE3468BB-40D1-D347-D05C-FAFF57D54BF7}"/>
+            </a:ext>
+          </a:extLst>
+        </p:cNvPr>
+        <p:cNvGrpSpPr/>
+        <p:nvPr/>
+      </p:nvGrpSpPr>
+      <p:grpSpPr>
+        <a:xfrm>
+          <a:off x="0" y="0"/>
+          <a:ext cx="0" cy="0"/>
+          <a:chOff x="0" y="0"/>
+          <a:chExt cx="0" cy="0"/>
+        </a:xfrm>
+      </p:grpSpPr>
+      <p:sp>
+        <p:nvSpPr>
+          <p:cNvPr id="3" name="Title 2">
+            <a:extLst>
+              <a:ext uri="{FF2B5EF4-FFF2-40B4-BE49-F238E27FC236}">
+                <a16:creationId xmlns:a16="http://schemas.microsoft.com/office/drawing/2014/main" id="{8CC12B0D-F9B6-1AFF-5C8B-E5B4FC3F4C25}"/>
+              </a:ext>
+            </a:extLst>
+          </p:cNvPr>
+          <p:cNvSpPr>
+            <a:spLocks noGrp="1"/>
+          </p:cNvSpPr>
+          <p:nvPr>
+            <p:ph type="title"/>
+          </p:nvPr>
+        </p:nvSpPr>
+        <p:spPr>
+          <a:xfrm>
+            <a:off x="311700" y="1631768"/>
+            <a:ext cx="8520600" cy="1208075"/>
+          </a:xfrm>
+        </p:spPr>
+        <p:txBody>
+          <a:bodyPr>
+            <a:noAutofit/>
+          </a:bodyPr>
+          <a:lstStyle/>
+          <a:p>
+            <a:pPr algn="ctr"/>
+            <a:r>
+              <a:rPr lang="en-CA" sz="8000" b="1" dirty="0">
+                <a:latin typeface="Palace Script MT" panose="030303020206070C0B05" pitchFamily="66" charset="0"/>
+                <a:cs typeface="Dreaming Outloud Script Pro" panose="020F0502020204030204" pitchFamily="66" charset="0"/>
+              </a:rPr>
+              <a:t>THANK  YOU</a:t>
+            </a:r>
+          </a:p>
+        </p:txBody>
+      </p:sp>
+      <p:sp>
+        <p:nvSpPr>
+          <p:cNvPr id="6" name="TextBox 5">
+            <a:extLst>
+              <a:ext uri="{FF2B5EF4-FFF2-40B4-BE49-F238E27FC236}">
+                <a16:creationId xmlns:a16="http://schemas.microsoft.com/office/drawing/2014/main" id="{7598AABF-5B1F-C670-6E1C-0C2DCDF2A5C6}"/>
+              </a:ext>
+            </a:extLst>
+          </p:cNvPr>
+          <p:cNvSpPr txBox="1"/>
+          <p:nvPr/>
+        </p:nvSpPr>
+        <p:spPr>
+          <a:xfrm>
+            <a:off x="3352799" y="3159513"/>
+            <a:ext cx="5400837" cy="523220"/>
+          </a:xfrm>
+          <a:prstGeom prst="rect">
+            <a:avLst/>
+          </a:prstGeom>
+          <a:noFill/>
+        </p:spPr>
+        <p:txBody>
+          <a:bodyPr wrap="none" rtlCol="0">
+            <a:spAutoFit/>
+          </a:bodyPr>
+          <a:lstStyle/>
+          <a:p>
+            <a:r>
+              <a:rPr lang="en-US" b="1" dirty="0"/>
+              <a:t>"The art of writing is the art of discovering what you believe."</a:t>
+            </a:r>
+            <a:br>
+              <a:rPr lang="en-US" dirty="0"/>
+            </a:br>
+            <a:r>
+              <a:rPr lang="en-US" dirty="0"/>
+              <a:t>— </a:t>
+            </a:r>
+            <a:r>
+              <a:rPr lang="en-US" b="1" dirty="0"/>
+              <a:t>Gustave Flaubert</a:t>
+            </a:r>
+            <a:endParaRPr lang="en-CA" dirty="0"/>
+          </a:p>
+        </p:txBody>
+      </p:sp>
+    </p:spTree>
+    <p:extLst>
+      <p:ext uri="{BB962C8B-B14F-4D97-AF65-F5344CB8AC3E}">
+        <p14:creationId xmlns:p14="http://schemas.microsoft.com/office/powerpoint/2010/main" val="4051861586"/>
       </p:ext>
     </p:extLst>
   </p:cSld>
